--- a/Azure Overview.pptx
+++ b/Azure Overview.pptx
@@ -5,7 +5,7 @@
     <p:sldMasterId id="2147483980" r:id="rId4"/>
   </p:sldMasterIdLst>
   <p:notesMasterIdLst>
-    <p:notesMasterId r:id="rId30"/>
+    <p:notesMasterId r:id="rId32"/>
   </p:notesMasterIdLst>
   <p:sldIdLst>
     <p:sldId id="257" r:id="rId5"/>
@@ -19,20 +19,22 @@
     <p:sldId id="328" r:id="rId13"/>
     <p:sldId id="325" r:id="rId14"/>
     <p:sldId id="326" r:id="rId15"/>
-    <p:sldId id="329" r:id="rId16"/>
-    <p:sldId id="327" r:id="rId17"/>
-    <p:sldId id="330" r:id="rId18"/>
-    <p:sldId id="331" r:id="rId19"/>
-    <p:sldId id="332" r:id="rId20"/>
-    <p:sldId id="333" r:id="rId21"/>
-    <p:sldId id="334" r:id="rId22"/>
-    <p:sldId id="335" r:id="rId23"/>
-    <p:sldId id="336" r:id="rId24"/>
-    <p:sldId id="339" r:id="rId25"/>
-    <p:sldId id="341" r:id="rId26"/>
-    <p:sldId id="340" r:id="rId27"/>
-    <p:sldId id="338" r:id="rId28"/>
-    <p:sldId id="342" r:id="rId29"/>
+    <p:sldId id="344" r:id="rId16"/>
+    <p:sldId id="329" r:id="rId17"/>
+    <p:sldId id="327" r:id="rId18"/>
+    <p:sldId id="330" r:id="rId19"/>
+    <p:sldId id="331" r:id="rId20"/>
+    <p:sldId id="332" r:id="rId21"/>
+    <p:sldId id="333" r:id="rId22"/>
+    <p:sldId id="334" r:id="rId23"/>
+    <p:sldId id="335" r:id="rId24"/>
+    <p:sldId id="336" r:id="rId25"/>
+    <p:sldId id="339" r:id="rId26"/>
+    <p:sldId id="341" r:id="rId27"/>
+    <p:sldId id="340" r:id="rId28"/>
+    <p:sldId id="338" r:id="rId29"/>
+    <p:sldId id="342" r:id="rId30"/>
+    <p:sldId id="343" r:id="rId31"/>
   </p:sldIdLst>
   <p:sldSz cx="9144000" cy="5143500" type="screen16x9"/>
   <p:notesSz cx="6858000" cy="9144000"/>
@@ -375,7 +377,7 @@
             <a:fld id="{F0EC178B-6532-D741-BB1D-C6F2E2FEBF52}" type="datetimeFigureOut">
               <a:rPr lang="en-US" smtClean="0"/>
               <a:pPr/>
-              <a:t>8/5/2018</a:t>
+              <a:t>8/20/2018</a:t>
             </a:fld>
             <a:endParaRPr lang="en-US"/>
           </a:p>
@@ -814,7 +816,7 @@
           <a:bodyPr/>
           <a:lstStyle/>
           <a:p>
-            <a:endParaRPr lang="en-US"/>
+            <a:endParaRPr lang="en-US" dirty="0"/>
           </a:p>
         </p:txBody>
       </p:sp>
@@ -994,7 +996,17 @@
           <a:bodyPr/>
           <a:lstStyle/>
           <a:p>
-            <a:endParaRPr lang="en-US"/>
+            <a:r>
+              <a:rPr lang="en-US" dirty="0"/>
+              <a:t>SQL Server on VM</a:t>
+            </a:r>
+          </a:p>
+          <a:p>
+            <a:r>
+              <a:rPr lang="en-US" dirty="0" err="1"/>
+              <a:t>PostgresSQL</a:t>
+            </a:r>
+            <a:endParaRPr lang="en-US" dirty="0"/>
           </a:p>
         </p:txBody>
       </p:sp>
@@ -1025,7 +1037,7 @@
     </p:spTree>
     <p:extLst>
       <p:ext uri="{BB962C8B-B14F-4D97-AF65-F5344CB8AC3E}">
-        <p14:creationId xmlns:p14="http://schemas.microsoft.com/office/powerpoint/2010/main" val="1438312780"/>
+        <p14:creationId xmlns:p14="http://schemas.microsoft.com/office/powerpoint/2010/main" val="937864532"/>
       </p:ext>
     </p:extLst>
   </p:cSld>
@@ -1079,7 +1091,7 @@
           <a:bodyPr/>
           <a:lstStyle/>
           <a:p>
-            <a:endParaRPr lang="en-US" dirty="0"/>
+            <a:endParaRPr lang="en-US"/>
           </a:p>
         </p:txBody>
       </p:sp>
@@ -1110,7 +1122,7 @@
     </p:spTree>
     <p:extLst>
       <p:ext uri="{BB962C8B-B14F-4D97-AF65-F5344CB8AC3E}">
-        <p14:creationId xmlns:p14="http://schemas.microsoft.com/office/powerpoint/2010/main" val="673897448"/>
+        <p14:creationId xmlns:p14="http://schemas.microsoft.com/office/powerpoint/2010/main" val="1438312780"/>
       </p:ext>
     </p:extLst>
   </p:cSld>
@@ -1195,7 +1207,7 @@
     </p:spTree>
     <p:extLst>
       <p:ext uri="{BB962C8B-B14F-4D97-AF65-F5344CB8AC3E}">
-        <p14:creationId xmlns:p14="http://schemas.microsoft.com/office/powerpoint/2010/main" val="841737679"/>
+        <p14:creationId xmlns:p14="http://schemas.microsoft.com/office/powerpoint/2010/main" val="673897448"/>
       </p:ext>
     </p:extLst>
   </p:cSld>
@@ -1249,7 +1261,7 @@
           <a:bodyPr/>
           <a:lstStyle/>
           <a:p>
-            <a:endParaRPr lang="en-US"/>
+            <a:endParaRPr lang="en-US" dirty="0"/>
           </a:p>
         </p:txBody>
       </p:sp>
@@ -1280,7 +1292,7 @@
     </p:spTree>
     <p:extLst>
       <p:ext uri="{BB962C8B-B14F-4D97-AF65-F5344CB8AC3E}">
-        <p14:creationId xmlns:p14="http://schemas.microsoft.com/office/powerpoint/2010/main" val="4032687249"/>
+        <p14:creationId xmlns:p14="http://schemas.microsoft.com/office/powerpoint/2010/main" val="841737679"/>
       </p:ext>
     </p:extLst>
   </p:cSld>
@@ -1334,7 +1346,7 @@
           <a:bodyPr/>
           <a:lstStyle/>
           <a:p>
-            <a:endParaRPr lang="en-US" dirty="0"/>
+            <a:endParaRPr lang="en-US"/>
           </a:p>
         </p:txBody>
       </p:sp>
@@ -1365,7 +1377,7 @@
     </p:spTree>
     <p:extLst>
       <p:ext uri="{BB962C8B-B14F-4D97-AF65-F5344CB8AC3E}">
-        <p14:creationId xmlns:p14="http://schemas.microsoft.com/office/powerpoint/2010/main" val="1056630690"/>
+        <p14:creationId xmlns:p14="http://schemas.microsoft.com/office/powerpoint/2010/main" val="4032687249"/>
       </p:ext>
     </p:extLst>
   </p:cSld>
@@ -1419,7 +1431,7 @@
           <a:bodyPr/>
           <a:lstStyle/>
           <a:p>
-            <a:endParaRPr lang="en-US"/>
+            <a:endParaRPr lang="en-US" dirty="0"/>
           </a:p>
         </p:txBody>
       </p:sp>
@@ -1450,7 +1462,7 @@
     </p:spTree>
     <p:extLst>
       <p:ext uri="{BB962C8B-B14F-4D97-AF65-F5344CB8AC3E}">
-        <p14:creationId xmlns:p14="http://schemas.microsoft.com/office/powerpoint/2010/main" val="2934684073"/>
+        <p14:creationId xmlns:p14="http://schemas.microsoft.com/office/powerpoint/2010/main" val="1056630690"/>
       </p:ext>
     </p:extLst>
   </p:cSld>
@@ -1504,7 +1516,7 @@
           <a:bodyPr/>
           <a:lstStyle/>
           <a:p>
-            <a:endParaRPr lang="en-US" dirty="0"/>
+            <a:endParaRPr lang="en-US"/>
           </a:p>
         </p:txBody>
       </p:sp>
@@ -1535,7 +1547,7 @@
     </p:spTree>
     <p:extLst>
       <p:ext uri="{BB962C8B-B14F-4D97-AF65-F5344CB8AC3E}">
-        <p14:creationId xmlns:p14="http://schemas.microsoft.com/office/powerpoint/2010/main" val="440624472"/>
+        <p14:creationId xmlns:p14="http://schemas.microsoft.com/office/powerpoint/2010/main" val="2934684073"/>
       </p:ext>
     </p:extLst>
   </p:cSld>
@@ -1589,7 +1601,7 @@
           <a:bodyPr/>
           <a:lstStyle/>
           <a:p>
-            <a:endParaRPr lang="en-US"/>
+            <a:endParaRPr lang="en-US" dirty="0"/>
           </a:p>
         </p:txBody>
       </p:sp>
@@ -1620,7 +1632,7 @@
     </p:spTree>
     <p:extLst>
       <p:ext uri="{BB962C8B-B14F-4D97-AF65-F5344CB8AC3E}">
-        <p14:creationId xmlns:p14="http://schemas.microsoft.com/office/powerpoint/2010/main" val="1372794573"/>
+        <p14:creationId xmlns:p14="http://schemas.microsoft.com/office/powerpoint/2010/main" val="440624472"/>
       </p:ext>
     </p:extLst>
   </p:cSld>
@@ -1674,7 +1686,18 @@
           <a:bodyPr/>
           <a:lstStyle/>
           <a:p>
-            <a:endParaRPr lang="en-US"/>
+            <a:r>
+              <a:rPr lang="en-US" dirty="0"/>
+              <a:t>From </a:t>
+            </a:r>
+            <a:r>
+              <a:rPr lang="en-US" dirty="0" err="1"/>
+              <a:t>WorkItem</a:t>
+            </a:r>
+            <a:r>
+              <a:rPr lang="en-US" dirty="0"/>
+              <a:t> To Deployment</a:t>
+            </a:r>
           </a:p>
         </p:txBody>
       </p:sp>
@@ -1759,7 +1782,7 @@
           <a:bodyPr/>
           <a:lstStyle/>
           <a:p>
-            <a:endParaRPr lang="en-US" dirty="0"/>
+            <a:endParaRPr lang="en-US"/>
           </a:p>
         </p:txBody>
       </p:sp>
@@ -1790,7 +1813,7 @@
     </p:spTree>
     <p:extLst>
       <p:ext uri="{BB962C8B-B14F-4D97-AF65-F5344CB8AC3E}">
-        <p14:creationId xmlns:p14="http://schemas.microsoft.com/office/powerpoint/2010/main" val="280930141"/>
+        <p14:creationId xmlns:p14="http://schemas.microsoft.com/office/powerpoint/2010/main" val="1372794573"/>
       </p:ext>
     </p:extLst>
   </p:cSld>
@@ -1844,7 +1867,7 @@
           <a:bodyPr/>
           <a:lstStyle/>
           <a:p>
-            <a:endParaRPr lang="en-US"/>
+            <a:endParaRPr lang="en-US" dirty="0"/>
           </a:p>
         </p:txBody>
       </p:sp>
@@ -1875,7 +1898,7 @@
     </p:spTree>
     <p:extLst>
       <p:ext uri="{BB962C8B-B14F-4D97-AF65-F5344CB8AC3E}">
-        <p14:creationId xmlns:p14="http://schemas.microsoft.com/office/powerpoint/2010/main" val="1019295028"/>
+        <p14:creationId xmlns:p14="http://schemas.microsoft.com/office/powerpoint/2010/main" val="280930141"/>
       </p:ext>
     </p:extLst>
   </p:cSld>
@@ -1929,22 +1952,7 @@
           <a:bodyPr/>
           <a:lstStyle/>
           <a:p>
-            <a:r>
-              <a:rPr lang="en-US" dirty="0"/>
-              <a:t>AAD – For Developers, B2C, Domain Services, </a:t>
-            </a:r>
-          </a:p>
-          <a:p>
-            <a:r>
-              <a:rPr lang="en-US" dirty="0"/>
-              <a:t>Key Vault</a:t>
-            </a:r>
-          </a:p>
-          <a:p>
-            <a:r>
-              <a:rPr lang="en-US" dirty="0"/>
-              <a:t>Multi-Factor Authentication</a:t>
-            </a:r>
+            <a:endParaRPr lang="en-US"/>
           </a:p>
         </p:txBody>
       </p:sp>
@@ -1975,7 +1983,7 @@
     </p:spTree>
     <p:extLst>
       <p:ext uri="{BB962C8B-B14F-4D97-AF65-F5344CB8AC3E}">
-        <p14:creationId xmlns:p14="http://schemas.microsoft.com/office/powerpoint/2010/main" val="3451487347"/>
+        <p14:creationId xmlns:p14="http://schemas.microsoft.com/office/powerpoint/2010/main" val="1019295028"/>
       </p:ext>
     </p:extLst>
   </p:cSld>
@@ -2031,31 +2039,19 @@
           <a:p>
             <a:r>
               <a:rPr lang="en-US" dirty="0"/>
-              <a:t>Media Services</a:t>
+              <a:t>AAD – For Developers, B2C, Domain Services, </a:t>
             </a:r>
           </a:p>
           <a:p>
             <a:r>
               <a:rPr lang="en-US" dirty="0"/>
-              <a:t>Search</a:t>
+              <a:t>Key Vault</a:t>
             </a:r>
           </a:p>
           <a:p>
             <a:r>
               <a:rPr lang="en-US" dirty="0"/>
-              <a:t>Cognitive Services (Text Analytics, Face API, Computer Vision API, Custom Vision API, Speech, …)</a:t>
-            </a:r>
-          </a:p>
-          <a:p>
-            <a:r>
-              <a:rPr lang="en-US" dirty="0"/>
-              <a:t>Bot Services</a:t>
-            </a:r>
-          </a:p>
-          <a:p>
-            <a:r>
-              <a:rPr lang="en-US" dirty="0"/>
-              <a:t>API Management</a:t>
+              <a:t>Multi-Factor Authentication</a:t>
             </a:r>
           </a:p>
         </p:txBody>
@@ -2087,7 +2083,7 @@
     </p:spTree>
     <p:extLst>
       <p:ext uri="{BB962C8B-B14F-4D97-AF65-F5344CB8AC3E}">
-        <p14:creationId xmlns:p14="http://schemas.microsoft.com/office/powerpoint/2010/main" val="2518064779"/>
+        <p14:creationId xmlns:p14="http://schemas.microsoft.com/office/powerpoint/2010/main" val="3451487347"/>
       </p:ext>
     </p:extLst>
   </p:cSld>
@@ -2141,7 +2137,34 @@
           <a:bodyPr/>
           <a:lstStyle/>
           <a:p>
-            <a:endParaRPr lang="en-US"/>
+            <a:r>
+              <a:rPr lang="en-US" dirty="0"/>
+              <a:t>Media Services</a:t>
+            </a:r>
+          </a:p>
+          <a:p>
+            <a:r>
+              <a:rPr lang="en-US" dirty="0"/>
+              <a:t>Search</a:t>
+            </a:r>
+          </a:p>
+          <a:p>
+            <a:r>
+              <a:rPr lang="en-US" dirty="0"/>
+              <a:t>Cognitive Services (Text Analytics, Face API, Computer Vision API, Custom Vision API, Speech, …)</a:t>
+            </a:r>
+          </a:p>
+          <a:p>
+            <a:r>
+              <a:rPr lang="en-US" dirty="0"/>
+              <a:t>Bot Services</a:t>
+            </a:r>
+          </a:p>
+          <a:p>
+            <a:r>
+              <a:rPr lang="en-US" dirty="0"/>
+              <a:t>API Management</a:t>
+            </a:r>
           </a:p>
         </p:txBody>
       </p:sp>
@@ -2172,7 +2195,7 @@
     </p:spTree>
     <p:extLst>
       <p:ext uri="{BB962C8B-B14F-4D97-AF65-F5344CB8AC3E}">
-        <p14:creationId xmlns:p14="http://schemas.microsoft.com/office/powerpoint/2010/main" val="4089902447"/>
+        <p14:creationId xmlns:p14="http://schemas.microsoft.com/office/powerpoint/2010/main" val="2518064779"/>
       </p:ext>
     </p:extLst>
   </p:cSld>
@@ -2257,7 +2280,177 @@
     </p:spTree>
     <p:extLst>
       <p:ext uri="{BB962C8B-B14F-4D97-AF65-F5344CB8AC3E}">
+        <p14:creationId xmlns:p14="http://schemas.microsoft.com/office/powerpoint/2010/main" val="4089902447"/>
+      </p:ext>
+    </p:extLst>
+  </p:cSld>
+  <p:clrMapOvr>
+    <a:masterClrMapping/>
+  </p:clrMapOvr>
+</p:notes>
+</file>
+
+<file path=ppt/notesSlides/notesSlide26.xml><?xml version="1.0" encoding="utf-8"?>
+<p:notes xmlns:a="http://schemas.openxmlformats.org/drawingml/2006/main" xmlns:r="http://schemas.openxmlformats.org/officeDocument/2006/relationships" xmlns:p="http://schemas.openxmlformats.org/presentationml/2006/main">
+  <p:cSld>
+    <p:spTree>
+      <p:nvGrpSpPr>
+        <p:cNvPr id="1" name=""/>
+        <p:cNvGrpSpPr/>
+        <p:nvPr/>
+      </p:nvGrpSpPr>
+      <p:grpSpPr>
+        <a:xfrm>
+          <a:off x="0" y="0"/>
+          <a:ext cx="0" cy="0"/>
+          <a:chOff x="0" y="0"/>
+          <a:chExt cx="0" cy="0"/>
+        </a:xfrm>
+      </p:grpSpPr>
+      <p:sp>
+        <p:nvSpPr>
+          <p:cNvPr id="2" name="Slide Image Placeholder 1"/>
+          <p:cNvSpPr>
+            <a:spLocks noGrp="1" noRot="1" noChangeAspect="1"/>
+          </p:cNvSpPr>
+          <p:nvPr>
+            <p:ph type="sldImg"/>
+          </p:nvPr>
+        </p:nvSpPr>
+        <p:spPr/>
+      </p:sp>
+      <p:sp>
+        <p:nvSpPr>
+          <p:cNvPr id="3" name="Notes Placeholder 2"/>
+          <p:cNvSpPr>
+            <a:spLocks noGrp="1"/>
+          </p:cNvSpPr>
+          <p:nvPr>
+            <p:ph type="body" idx="1"/>
+          </p:nvPr>
+        </p:nvSpPr>
+        <p:spPr/>
+        <p:txBody>
+          <a:bodyPr/>
+          <a:lstStyle/>
+          <a:p>
+            <a:endParaRPr lang="en-US"/>
+          </a:p>
+        </p:txBody>
+      </p:sp>
+      <p:sp>
+        <p:nvSpPr>
+          <p:cNvPr id="4" name="Slide Number Placeholder 3"/>
+          <p:cNvSpPr>
+            <a:spLocks noGrp="1"/>
+          </p:cNvSpPr>
+          <p:nvPr>
+            <p:ph type="sldNum" sz="quarter" idx="10"/>
+          </p:nvPr>
+        </p:nvSpPr>
+        <p:spPr/>
+        <p:txBody>
+          <a:bodyPr/>
+          <a:lstStyle/>
+          <a:p>
+            <a:fld id="{AA759650-762C-9343-8990-0901C80FC791}" type="slidenum">
+              <a:rPr lang="en-US" smtClean="0"/>
+              <a:pPr/>
+              <a:t>26</a:t>
+            </a:fld>
+            <a:endParaRPr lang="en-US"/>
+          </a:p>
+        </p:txBody>
+      </p:sp>
+    </p:spTree>
+    <p:extLst>
+      <p:ext uri="{BB962C8B-B14F-4D97-AF65-F5344CB8AC3E}">
         <p14:creationId xmlns:p14="http://schemas.microsoft.com/office/powerpoint/2010/main" val="119851518"/>
+      </p:ext>
+    </p:extLst>
+  </p:cSld>
+  <p:clrMapOvr>
+    <a:masterClrMapping/>
+  </p:clrMapOvr>
+</p:notes>
+</file>
+
+<file path=ppt/notesSlides/notesSlide27.xml><?xml version="1.0" encoding="utf-8"?>
+<p:notes xmlns:a="http://schemas.openxmlformats.org/drawingml/2006/main" xmlns:r="http://schemas.openxmlformats.org/officeDocument/2006/relationships" xmlns:p="http://schemas.openxmlformats.org/presentationml/2006/main">
+  <p:cSld>
+    <p:spTree>
+      <p:nvGrpSpPr>
+        <p:cNvPr id="1" name=""/>
+        <p:cNvGrpSpPr/>
+        <p:nvPr/>
+      </p:nvGrpSpPr>
+      <p:grpSpPr>
+        <a:xfrm>
+          <a:off x="0" y="0"/>
+          <a:ext cx="0" cy="0"/>
+          <a:chOff x="0" y="0"/>
+          <a:chExt cx="0" cy="0"/>
+        </a:xfrm>
+      </p:grpSpPr>
+      <p:sp>
+        <p:nvSpPr>
+          <p:cNvPr id="2" name="Slide Image Placeholder 1"/>
+          <p:cNvSpPr>
+            <a:spLocks noGrp="1" noRot="1" noChangeAspect="1"/>
+          </p:cNvSpPr>
+          <p:nvPr>
+            <p:ph type="sldImg"/>
+          </p:nvPr>
+        </p:nvSpPr>
+        <p:spPr/>
+      </p:sp>
+      <p:sp>
+        <p:nvSpPr>
+          <p:cNvPr id="3" name="Notes Placeholder 2"/>
+          <p:cNvSpPr>
+            <a:spLocks noGrp="1"/>
+          </p:cNvSpPr>
+          <p:nvPr>
+            <p:ph type="body" idx="1"/>
+          </p:nvPr>
+        </p:nvSpPr>
+        <p:spPr/>
+        <p:txBody>
+          <a:bodyPr/>
+          <a:lstStyle/>
+          <a:p>
+            <a:endParaRPr lang="en-US"/>
+          </a:p>
+        </p:txBody>
+      </p:sp>
+      <p:sp>
+        <p:nvSpPr>
+          <p:cNvPr id="4" name="Slide Number Placeholder 3"/>
+          <p:cNvSpPr>
+            <a:spLocks noGrp="1"/>
+          </p:cNvSpPr>
+          <p:nvPr>
+            <p:ph type="sldNum" sz="quarter" idx="10"/>
+          </p:nvPr>
+        </p:nvSpPr>
+        <p:spPr/>
+        <p:txBody>
+          <a:bodyPr/>
+          <a:lstStyle/>
+          <a:p>
+            <a:fld id="{AA759650-762C-9343-8990-0901C80FC791}" type="slidenum">
+              <a:rPr lang="en-US" smtClean="0"/>
+              <a:pPr/>
+              <a:t>27</a:t>
+            </a:fld>
+            <a:endParaRPr lang="en-US"/>
+          </a:p>
+        </p:txBody>
+      </p:sp>
+    </p:spTree>
+    <p:extLst>
+      <p:ext uri="{BB962C8B-B14F-4D97-AF65-F5344CB8AC3E}">
+        <p14:creationId xmlns:p14="http://schemas.microsoft.com/office/powerpoint/2010/main" val="2339299956"/>
       </p:ext>
     </p:extLst>
   </p:cSld>
@@ -2311,7 +2504,35 @@
           <a:bodyPr/>
           <a:lstStyle/>
           <a:p>
-            <a:endParaRPr lang="en-US"/>
+            <a:r>
+              <a:rPr lang="en-US" dirty="0"/>
+              <a:t>TFS</a:t>
+            </a:r>
+          </a:p>
+          <a:p>
+            <a:r>
+              <a:rPr lang="en-US" dirty="0"/>
+              <a:t>Git</a:t>
+            </a:r>
+          </a:p>
+          <a:p>
+            <a:r>
+              <a:rPr lang="en-US" dirty="0" err="1"/>
+              <a:t>Github</a:t>
+            </a:r>
+            <a:endParaRPr lang="en-US" dirty="0"/>
+          </a:p>
+          <a:p>
+            <a:r>
+              <a:rPr lang="en-US" dirty="0"/>
+              <a:t>Bitbucket</a:t>
+            </a:r>
+          </a:p>
+          <a:p>
+            <a:r>
+              <a:rPr lang="en-US" dirty="0"/>
+              <a:t>Jenkins</a:t>
+            </a:r>
           </a:p>
         </p:txBody>
       </p:sp>
@@ -2481,7 +2702,22 @@
           <a:bodyPr/>
           <a:lstStyle/>
           <a:p>
-            <a:endParaRPr lang="en-US"/>
+            <a:r>
+              <a:rPr lang="en-US" dirty="0"/>
+              <a:t>Web Apps</a:t>
+            </a:r>
+          </a:p>
+          <a:p>
+            <a:r>
+              <a:rPr lang="en-US" dirty="0"/>
+              <a:t>Function Apps</a:t>
+            </a:r>
+          </a:p>
+          <a:p>
+            <a:r>
+              <a:rPr lang="en-US" dirty="0"/>
+              <a:t>Logic Apps</a:t>
+            </a:r>
           </a:p>
         </p:txBody>
       </p:sp>
@@ -2566,7 +2802,10 @@
           <a:bodyPr/>
           <a:lstStyle/>
           <a:p>
-            <a:endParaRPr lang="en-US"/>
+            <a:r>
+              <a:rPr lang="en-US" dirty="0"/>
+              <a:t>VM</a:t>
+            </a:r>
           </a:p>
         </p:txBody>
       </p:sp>
@@ -2651,7 +2890,22 @@
           <a:bodyPr/>
           <a:lstStyle/>
           <a:p>
-            <a:endParaRPr lang="en-US"/>
+            <a:r>
+              <a:rPr lang="en-US" dirty="0"/>
+              <a:t>Container Instances</a:t>
+            </a:r>
+          </a:p>
+          <a:p>
+            <a:r>
+              <a:rPr lang="en-US" dirty="0"/>
+              <a:t>Container Registry</a:t>
+            </a:r>
+          </a:p>
+          <a:p>
+            <a:r>
+              <a:rPr lang="en-US" dirty="0"/>
+              <a:t>Web For Linux/Windows Containers</a:t>
+            </a:r>
           </a:p>
         </p:txBody>
       </p:sp>
@@ -2736,7 +2990,22 @@
           <a:bodyPr/>
           <a:lstStyle/>
           <a:p>
-            <a:endParaRPr lang="en-US"/>
+            <a:r>
+              <a:rPr lang="en-US" dirty="0"/>
+              <a:t>Service Fabric/Mesh</a:t>
+            </a:r>
+          </a:p>
+          <a:p>
+            <a:r>
+              <a:rPr lang="en-US" dirty="0"/>
+              <a:t>Container Service (CD/OS, Swarm, Kubernetes)</a:t>
+            </a:r>
+          </a:p>
+          <a:p>
+            <a:r>
+              <a:rPr lang="en-US" dirty="0"/>
+              <a:t>Kubernetes Service</a:t>
+            </a:r>
           </a:p>
         </p:txBody>
       </p:sp>
@@ -15512,81 +15781,6 @@
           </a:p>
         </p:txBody>
       </p:sp>
-      <p:pic>
-        <p:nvPicPr>
-          <p:cNvPr id="37" name="Picture 36">
-            <a:extLst>
-              <a:ext uri="{FF2B5EF4-FFF2-40B4-BE49-F238E27FC236}">
-                <a16:creationId xmlns:a16="http://schemas.microsoft.com/office/drawing/2014/main" id="{47887474-90AC-4D75-9CD2-1B2814C45DB1}"/>
-              </a:ext>
-            </a:extLst>
-          </p:cNvPr>
-          <p:cNvPicPr>
-            <a:picLocks noChangeAspect="1"/>
-          </p:cNvPicPr>
-          <p:nvPr/>
-        </p:nvPicPr>
-        <p:blipFill>
-          <a:blip r:embed="rId8" cstate="email">
-            <a:extLst>
-              <a:ext uri="{28A0092B-C50C-407E-A947-70E740481C1C}">
-                <a14:useLocalDpi xmlns:a14="http://schemas.microsoft.com/office/drawing/2010/main" val="0"/>
-              </a:ext>
-            </a:extLst>
-          </a:blip>
-          <a:stretch>
-            <a:fillRect/>
-          </a:stretch>
-        </p:blipFill>
-        <p:spPr>
-          <a:xfrm>
-            <a:off x="6414105" y="1736214"/>
-            <a:ext cx="780290" cy="780290"/>
-          </a:xfrm>
-          <a:prstGeom prst="rect">
-            <a:avLst/>
-          </a:prstGeom>
-        </p:spPr>
-      </p:pic>
-      <p:sp>
-        <p:nvSpPr>
-          <p:cNvPr id="38" name="Rectangle 37">
-            <a:extLst>
-              <a:ext uri="{FF2B5EF4-FFF2-40B4-BE49-F238E27FC236}">
-                <a16:creationId xmlns:a16="http://schemas.microsoft.com/office/drawing/2014/main" id="{408BDDCA-7984-46D2-8EAD-88382E84B92D}"/>
-              </a:ext>
-            </a:extLst>
-          </p:cNvPr>
-          <p:cNvSpPr/>
-          <p:nvPr/>
-        </p:nvSpPr>
-        <p:spPr>
-          <a:xfrm>
-            <a:off x="6186132" y="2571750"/>
-            <a:ext cx="1236236" cy="369332"/>
-          </a:xfrm>
-          <a:prstGeom prst="rect">
-            <a:avLst/>
-          </a:prstGeom>
-        </p:spPr>
-        <p:txBody>
-          <a:bodyPr wrap="none">
-            <a:spAutoFit/>
-          </a:bodyPr>
-          <a:lstStyle/>
-          <a:p>
-            <a:r>
-              <a:rPr lang="nl-BE" dirty="0">
-                <a:solidFill>
-                  <a:srgbClr val="545454"/>
-                </a:solidFill>
-                <a:latin typeface="arial" panose="020B0604020202020204" pitchFamily="34" charset="0"/>
-              </a:rPr>
-              <a:t>Data Lake</a:t>
-            </a:r>
-          </a:p>
-        </p:txBody>
-      </p:sp>
       <p:sp>
         <p:nvSpPr>
           <p:cNvPr id="6" name="Picture Placeholder 5">
@@ -15863,8 +16057,8 @@
         </p:nvSpPr>
         <p:spPr>
           <a:xfrm>
-            <a:off x="6522428" y="2564854"/>
-            <a:ext cx="851515" cy="646331"/>
+            <a:off x="7841633" y="2571750"/>
+            <a:ext cx="1031051" cy="646331"/>
           </a:xfrm>
           <a:prstGeom prst="rect">
             <a:avLst/>
@@ -15877,13 +16071,13 @@
           <a:lstStyle/>
           <a:p>
             <a:r>
-              <a:rPr lang="nl-BE" dirty="0">
+              <a:rPr lang="en-US" dirty="0">
                 <a:solidFill>
                   <a:srgbClr val="545454"/>
                 </a:solidFill>
                 <a:latin typeface="arial" panose="020B0604020202020204" pitchFamily="34" charset="0"/>
               </a:rPr>
-              <a:t>Redis</a:t>
+              <a:t>Cosmos</a:t>
             </a:r>
           </a:p>
           <a:p>
@@ -15894,17 +16088,14 @@
                 </a:solidFill>
                 <a:latin typeface="arial" panose="020B0604020202020204" pitchFamily="34" charset="0"/>
               </a:rPr>
-              <a:t>C</a:t>
-            </a:r>
-            <a:r>
-              <a:rPr lang="nl-BE" dirty="0">
-                <a:solidFill>
-                  <a:srgbClr val="545454"/>
-                </a:solidFill>
-                <a:latin typeface="arial" panose="020B0604020202020204" pitchFamily="34" charset="0"/>
-              </a:rPr>
-              <a:t>ache</a:t>
-            </a:r>
+              <a:t>DB</a:t>
+            </a:r>
+            <a:endParaRPr lang="nl-BE" dirty="0">
+              <a:solidFill>
+                <a:srgbClr val="545454"/>
+              </a:solidFill>
+              <a:latin typeface="arial" panose="020B0604020202020204" pitchFamily="34" charset="0"/>
+            </a:endParaRPr>
           </a:p>
         </p:txBody>
       </p:sp>
@@ -15936,7 +16127,7 @@
         </p:blipFill>
         <p:spPr>
           <a:xfrm>
-            <a:off x="1957893" y="1714500"/>
+            <a:off x="1984308" y="1714500"/>
             <a:ext cx="780290" cy="780290"/>
           </a:xfrm>
           <a:prstGeom prst="rect">
@@ -16208,15 +16399,51 @@
           </a:p>
         </p:txBody>
       </p:sp>
-      <p:sp>
-        <p:nvSpPr>
-          <p:cNvPr id="7" name="Picture Placeholder 6">
+      <p:pic>
+        <p:nvPicPr>
+          <p:cNvPr id="12" name="Picture 11">
             <a:extLst>
               <a:ext uri="{FF2B5EF4-FFF2-40B4-BE49-F238E27FC236}">
-                <a16:creationId xmlns:a16="http://schemas.microsoft.com/office/drawing/2014/main" id="{F277A76F-B646-45BE-8619-971548919AF0}"/>
+                <a16:creationId xmlns:a16="http://schemas.microsoft.com/office/drawing/2014/main" id="{460B7835-186D-4B85-88DB-085E9533D6F8}"/>
               </a:ext>
             </a:extLst>
           </p:cNvPr>
+          <p:cNvPicPr>
+            <a:picLocks noChangeAspect="1"/>
+          </p:cNvPicPr>
+          <p:nvPr/>
+        </p:nvPicPr>
+        <p:blipFill>
+          <a:blip r:embed="rId9" cstate="email">
+            <a:extLst>
+              <a:ext uri="{28A0092B-C50C-407E-A947-70E740481C1C}">
+                <a14:useLocalDpi xmlns:a14="http://schemas.microsoft.com/office/drawing/2010/main" val="0"/>
+              </a:ext>
+            </a:extLst>
+          </a:blip>
+          <a:stretch>
+            <a:fillRect/>
+          </a:stretch>
+        </p:blipFill>
+        <p:spPr>
+          <a:xfrm>
+            <a:off x="7563398" y="1714500"/>
+            <a:ext cx="1407986" cy="727003"/>
+          </a:xfrm>
+          <a:prstGeom prst="rect">
+            <a:avLst/>
+          </a:prstGeom>
+        </p:spPr>
+      </p:pic>
+      <p:sp>
+        <p:nvSpPr>
+          <p:cNvPr id="15" name="Picture Placeholder 14">
+            <a:extLst>
+              <a:ext uri="{FF2B5EF4-FFF2-40B4-BE49-F238E27FC236}">
+                <a16:creationId xmlns:a16="http://schemas.microsoft.com/office/drawing/2014/main" id="{EAE8E252-C504-448F-ADC4-BFB4DF43C200}"/>
+              </a:ext>
+            </a:extLst>
+          </p:cNvPr>
           <p:cNvSpPr>
             <a:spLocks noGrp="1"/>
           </p:cNvSpPr>
@@ -16225,6 +16452,65 @@
           </p:nvPr>
         </p:nvSpPr>
         <p:spPr/>
+      </p:sp>
+      <p:sp>
+        <p:nvSpPr>
+          <p:cNvPr id="24" name="Rectangle 23">
+            <a:extLst>
+              <a:ext uri="{FF2B5EF4-FFF2-40B4-BE49-F238E27FC236}">
+                <a16:creationId xmlns:a16="http://schemas.microsoft.com/office/drawing/2014/main" id="{D26F3AC6-408C-4C48-A2CB-B9D672F372A1}"/>
+              </a:ext>
+            </a:extLst>
+          </p:cNvPr>
+          <p:cNvSpPr/>
+          <p:nvPr/>
+        </p:nvSpPr>
+        <p:spPr>
+          <a:xfrm>
+            <a:off x="6600765" y="2540626"/>
+            <a:ext cx="851515" cy="646331"/>
+          </a:xfrm>
+          <a:prstGeom prst="rect">
+            <a:avLst/>
+          </a:prstGeom>
+        </p:spPr>
+        <p:txBody>
+          <a:bodyPr wrap="none">
+            <a:spAutoFit/>
+          </a:bodyPr>
+          <a:lstStyle/>
+          <a:p>
+            <a:r>
+              <a:rPr lang="nl-BE" dirty="0">
+                <a:solidFill>
+                  <a:srgbClr val="545454"/>
+                </a:solidFill>
+                <a:latin typeface="arial" panose="020B0604020202020204" pitchFamily="34" charset="0"/>
+              </a:rPr>
+              <a:t>Redis</a:t>
+            </a:r>
+          </a:p>
+          <a:p>
+            <a:r>
+              <a:rPr lang="en-US" dirty="0">
+                <a:solidFill>
+                  <a:srgbClr val="545454"/>
+                </a:solidFill>
+                <a:latin typeface="arial" panose="020B0604020202020204" pitchFamily="34" charset="0"/>
+              </a:rPr>
+              <a:t>C</a:t>
+            </a:r>
+            <a:r>
+              <a:rPr lang="nl-BE" dirty="0">
+                <a:solidFill>
+                  <a:srgbClr val="545454"/>
+                </a:solidFill>
+                <a:latin typeface="arial" panose="020B0604020202020204" pitchFamily="34" charset="0"/>
+              </a:rPr>
+              <a:t>ache</a:t>
+            </a:r>
+          </a:p>
+        </p:txBody>
       </p:sp>
     </p:spTree>
     <p:extLst>
@@ -16258,6 +16544,215 @@
       </p:grpSpPr>
       <p:pic>
         <p:nvPicPr>
+          <p:cNvPr id="9" name="Picture Placeholder 8" descr="18download.jpg"/>
+          <p:cNvPicPr>
+            <a:picLocks noGrp="1" noChangeAspect="1"/>
+          </p:cNvPicPr>
+          <p:nvPr>
+            <p:ph type="pic" sz="quarter" idx="14"/>
+          </p:nvPr>
+        </p:nvPicPr>
+        <p:blipFill rotWithShape="1">
+          <a:blip r:embed="rId3" cstate="email">
+            <a:extLst>
+              <a:ext uri="{28A0092B-C50C-407E-A947-70E740481C1C}">
+                <a14:useLocalDpi xmlns:a14="http://schemas.microsoft.com/office/drawing/2010/main" val="0"/>
+              </a:ext>
+            </a:extLst>
+          </a:blip>
+          <a:srcRect t="7839" b="7839"/>
+          <a:stretch/>
+        </p:blipFill>
+        <p:spPr>
+          <a:xfrm>
+            <a:off x="0" y="3693"/>
+            <a:ext cx="9144000" cy="5139807"/>
+          </a:xfrm>
+        </p:spPr>
+      </p:pic>
+      <p:sp>
+        <p:nvSpPr>
+          <p:cNvPr id="2" name="Text Placeholder 1"/>
+          <p:cNvSpPr>
+            <a:spLocks noGrp="1"/>
+          </p:cNvSpPr>
+          <p:nvPr>
+            <p:ph type="body" sz="quarter" idx="10"/>
+          </p:nvPr>
+        </p:nvSpPr>
+        <p:spPr/>
+        <p:txBody>
+          <a:bodyPr/>
+          <a:lstStyle/>
+          <a:p>
+            <a:r>
+              <a:rPr lang="en-US" dirty="0"/>
+              <a:t>02</a:t>
+            </a:r>
+          </a:p>
+        </p:txBody>
+      </p:sp>
+      <p:sp>
+        <p:nvSpPr>
+          <p:cNvPr id="3" name="Text Placeholder 2"/>
+          <p:cNvSpPr>
+            <a:spLocks noGrp="1"/>
+          </p:cNvSpPr>
+          <p:nvPr>
+            <p:ph type="body" sz="quarter" idx="11"/>
+          </p:nvPr>
+        </p:nvSpPr>
+        <p:spPr/>
+        <p:txBody>
+          <a:bodyPr/>
+          <a:lstStyle/>
+          <a:p>
+            <a:r>
+              <a:rPr lang="en-US" b="1" dirty="0"/>
+              <a:t>DATA</a:t>
+            </a:r>
+          </a:p>
+        </p:txBody>
+      </p:sp>
+      <p:sp>
+        <p:nvSpPr>
+          <p:cNvPr id="5" name="Text Placeholder 4"/>
+          <p:cNvSpPr>
+            <a:spLocks noGrp="1"/>
+          </p:cNvSpPr>
+          <p:nvPr>
+            <p:ph type="body" sz="quarter" idx="13"/>
+          </p:nvPr>
+        </p:nvSpPr>
+        <p:spPr/>
+        <p:txBody>
+          <a:bodyPr/>
+          <a:lstStyle/>
+          <a:p>
+            <a:endParaRPr lang="en-US" dirty="0">
+              <a:solidFill>
+                <a:srgbClr val="455565"/>
+              </a:solidFill>
+            </a:endParaRPr>
+          </a:p>
+        </p:txBody>
+      </p:sp>
+      <p:cxnSp>
+        <p:nvCxnSpPr>
+          <p:cNvPr id="8" name="Straight Connector 7"/>
+          <p:cNvCxnSpPr/>
+          <p:nvPr/>
+        </p:nvCxnSpPr>
+        <p:spPr>
+          <a:xfrm>
+            <a:off x="220911" y="1214437"/>
+            <a:ext cx="1524010" cy="0"/>
+          </a:xfrm>
+          <a:prstGeom prst="line">
+            <a:avLst/>
+          </a:prstGeom>
+          <a:ln w="38100" cmpd="sng">
+            <a:solidFill>
+              <a:srgbClr val="69BE28"/>
+            </a:solidFill>
+          </a:ln>
+          <a:effectLst/>
+        </p:spPr>
+        <p:style>
+          <a:lnRef idx="2">
+            <a:schemeClr val="accent1"/>
+          </a:lnRef>
+          <a:fillRef idx="0">
+            <a:schemeClr val="accent1"/>
+          </a:fillRef>
+          <a:effectRef idx="1">
+            <a:schemeClr val="accent1"/>
+          </a:effectRef>
+          <a:fontRef idx="minor">
+            <a:schemeClr val="tx1"/>
+          </a:fontRef>
+        </p:style>
+      </p:cxnSp>
+      <p:sp>
+        <p:nvSpPr>
+          <p:cNvPr id="7" name="Picture Placeholder 6">
+            <a:extLst>
+              <a:ext uri="{FF2B5EF4-FFF2-40B4-BE49-F238E27FC236}">
+                <a16:creationId xmlns:a16="http://schemas.microsoft.com/office/drawing/2014/main" id="{F277A76F-B646-45BE-8619-971548919AF0}"/>
+              </a:ext>
+            </a:extLst>
+          </p:cNvPr>
+          <p:cNvSpPr>
+            <a:spLocks noGrp="1"/>
+          </p:cNvSpPr>
+          <p:nvPr>
+            <p:ph type="pic" sz="quarter" idx="15"/>
+          </p:nvPr>
+        </p:nvSpPr>
+        <p:spPr/>
+      </p:sp>
+      <p:pic>
+        <p:nvPicPr>
+          <p:cNvPr id="4" name="Picture 3">
+            <a:extLst>
+              <a:ext uri="{FF2B5EF4-FFF2-40B4-BE49-F238E27FC236}">
+                <a16:creationId xmlns:a16="http://schemas.microsoft.com/office/drawing/2014/main" id="{643C83EF-E17F-4465-A8EB-954348308819}"/>
+              </a:ext>
+            </a:extLst>
+          </p:cNvPr>
+          <p:cNvPicPr>
+            <a:picLocks noChangeAspect="1"/>
+          </p:cNvPicPr>
+          <p:nvPr/>
+        </p:nvPicPr>
+        <p:blipFill>
+          <a:blip r:embed="rId4"/>
+          <a:stretch>
+            <a:fillRect/>
+          </a:stretch>
+        </p:blipFill>
+        <p:spPr>
+          <a:xfrm>
+            <a:off x="2308607" y="1098601"/>
+            <a:ext cx="6271706" cy="3251798"/>
+          </a:xfrm>
+          <a:prstGeom prst="rect">
+            <a:avLst/>
+          </a:prstGeom>
+        </p:spPr>
+      </p:pic>
+    </p:spTree>
+    <p:extLst>
+      <p:ext uri="{BB962C8B-B14F-4D97-AF65-F5344CB8AC3E}">
+        <p14:creationId xmlns:p14="http://schemas.microsoft.com/office/powerpoint/2010/main" val="3439158290"/>
+      </p:ext>
+    </p:extLst>
+  </p:cSld>
+  <p:clrMapOvr>
+    <a:masterClrMapping/>
+  </p:clrMapOvr>
+</p:sld>
+</file>
+
+<file path=ppt/slides/slide13.xml><?xml version="1.0" encoding="utf-8"?>
+<p:sld xmlns:a="http://schemas.openxmlformats.org/drawingml/2006/main" xmlns:r="http://schemas.openxmlformats.org/officeDocument/2006/relationships" xmlns:p="http://schemas.openxmlformats.org/presentationml/2006/main">
+  <p:cSld>
+    <p:spTree>
+      <p:nvGrpSpPr>
+        <p:cNvPr id="1" name=""/>
+        <p:cNvGrpSpPr/>
+        <p:nvPr/>
+      </p:nvGrpSpPr>
+      <p:grpSpPr>
+        <a:xfrm>
+          <a:off x="0" y="0"/>
+          <a:ext cx="0" cy="0"/>
+          <a:chOff x="0" y="0"/>
+          <a:chExt cx="0" cy="0"/>
+        </a:xfrm>
+      </p:grpSpPr>
+      <p:pic>
+        <p:nvPicPr>
           <p:cNvPr id="18" name="Picture Placeholder 17" descr="photo-1462331321792-cc44368b8894.jpg"/>
           <p:cNvPicPr>
             <a:picLocks noGrp="1" noChangeAspect="1"/>
@@ -16462,7 +16957,7 @@
 </p:sld>
 </file>
 
-<file path=ppt/slides/slide13.xml><?xml version="1.0" encoding="utf-8"?>
+<file path=ppt/slides/slide14.xml><?xml version="1.0" encoding="utf-8"?>
 <p:sld xmlns:a="http://schemas.openxmlformats.org/drawingml/2006/main" xmlns:r="http://schemas.openxmlformats.org/officeDocument/2006/relationships" xmlns:p="http://schemas.openxmlformats.org/presentationml/2006/main">
   <p:cSld>
     <p:spTree>
@@ -16761,7 +17256,7 @@
 </p:sld>
 </file>
 
-<file path=ppt/slides/slide14.xml><?xml version="1.0" encoding="utf-8"?>
+<file path=ppt/slides/slide15.xml><?xml version="1.0" encoding="utf-8"?>
 <p:sld xmlns:a="http://schemas.openxmlformats.org/drawingml/2006/main" xmlns:r="http://schemas.openxmlformats.org/officeDocument/2006/relationships" xmlns:p="http://schemas.openxmlformats.org/presentationml/2006/main">
   <p:cSld>
     <p:spTree>
@@ -17313,7 +17808,7 @@
 </p:sld>
 </file>
 
-<file path=ppt/slides/slide15.xml><?xml version="1.0" encoding="utf-8"?>
+<file path=ppt/slides/slide16.xml><?xml version="1.0" encoding="utf-8"?>
 <p:sld xmlns:a="http://schemas.openxmlformats.org/drawingml/2006/main" xmlns:r="http://schemas.openxmlformats.org/officeDocument/2006/relationships" xmlns:p="http://schemas.openxmlformats.org/presentationml/2006/main">
   <p:cSld>
     <p:spTree>
@@ -17482,18 +17977,13 @@
           <a:lstStyle/>
           <a:p>
             <a:r>
-              <a:rPr lang="en-US" dirty="0" err="1">
+              <a:rPr lang="en-US" dirty="0">
                 <a:solidFill>
                   <a:srgbClr val="FFFFFF"/>
                 </a:solidFill>
               </a:rPr>
-              <a:t>Scalling</a:t>
-            </a:r>
-            <a:endParaRPr lang="en-US" dirty="0">
-              <a:solidFill>
-                <a:srgbClr val="FFFFFF"/>
-              </a:solidFill>
-            </a:endParaRPr>
+              <a:t>Scaling</a:t>
+            </a:r>
           </a:p>
         </p:txBody>
       </p:sp>
@@ -17541,7 +18031,7 @@
 </p:sld>
 </file>
 
-<file path=ppt/slides/slide16.xml><?xml version="1.0" encoding="utf-8"?>
+<file path=ppt/slides/slide17.xml><?xml version="1.0" encoding="utf-8"?>
 <p:sld xmlns:a="http://schemas.openxmlformats.org/drawingml/2006/main" xmlns:r="http://schemas.openxmlformats.org/officeDocument/2006/relationships" xmlns:p="http://schemas.openxmlformats.org/presentationml/2006/main">
   <p:cSld>
     <p:spTree>
@@ -17832,7 +18322,7 @@
 </p:sld>
 </file>
 
-<file path=ppt/slides/slide17.xml><?xml version="1.0" encoding="utf-8"?>
+<file path=ppt/slides/slide18.xml><?xml version="1.0" encoding="utf-8"?>
 <p:sld xmlns:a="http://schemas.openxmlformats.org/drawingml/2006/main" xmlns:r="http://schemas.openxmlformats.org/officeDocument/2006/relationships" xmlns:p="http://schemas.openxmlformats.org/presentationml/2006/main">
   <p:cSld>
     <p:spTree>
@@ -18055,7 +18545,7 @@
 </p:sld>
 </file>
 
-<file path=ppt/slides/slide18.xml><?xml version="1.0" encoding="utf-8"?>
+<file path=ppt/slides/slide19.xml><?xml version="1.0" encoding="utf-8"?>
 <p:sld xmlns:a="http://schemas.openxmlformats.org/drawingml/2006/main" xmlns:r="http://schemas.openxmlformats.org/officeDocument/2006/relationships" xmlns:p="http://schemas.openxmlformats.org/presentationml/2006/main">
   <p:cSld>
     <p:spTree>
@@ -18509,229 +18999,6 @@
     <p:extLst>
       <p:ext uri="{BB962C8B-B14F-4D97-AF65-F5344CB8AC3E}">
         <p14:creationId xmlns:p14="http://schemas.microsoft.com/office/powerpoint/2010/main" val="3338302912"/>
-      </p:ext>
-    </p:extLst>
-  </p:cSld>
-  <p:clrMapOvr>
-    <a:masterClrMapping/>
-  </p:clrMapOvr>
-</p:sld>
-</file>
-
-<file path=ppt/slides/slide19.xml><?xml version="1.0" encoding="utf-8"?>
-<p:sld xmlns:a="http://schemas.openxmlformats.org/drawingml/2006/main" xmlns:r="http://schemas.openxmlformats.org/officeDocument/2006/relationships" xmlns:p="http://schemas.openxmlformats.org/presentationml/2006/main">
-  <p:cSld>
-    <p:spTree>
-      <p:nvGrpSpPr>
-        <p:cNvPr id="1" name=""/>
-        <p:cNvGrpSpPr/>
-        <p:nvPr/>
-      </p:nvGrpSpPr>
-      <p:grpSpPr>
-        <a:xfrm>
-          <a:off x="0" y="0"/>
-          <a:ext cx="0" cy="0"/>
-          <a:chOff x="0" y="0"/>
-          <a:chExt cx="0" cy="0"/>
-        </a:xfrm>
-      </p:grpSpPr>
-      <p:pic>
-        <p:nvPicPr>
-          <p:cNvPr id="18" name="Picture Placeholder 17" descr="photo-1462331321792-cc44368b8894.jpg"/>
-          <p:cNvPicPr>
-            <a:picLocks noGrp="1" noChangeAspect="1"/>
-          </p:cNvPicPr>
-          <p:nvPr>
-            <p:ph type="pic" sz="quarter" idx="14"/>
-          </p:nvPr>
-        </p:nvPicPr>
-        <p:blipFill>
-          <a:blip r:embed="rId3" cstate="email">
-            <a:extLst>
-              <a:ext uri="{28A0092B-C50C-407E-A947-70E740481C1C}">
-                <a14:useLocalDpi xmlns:a14="http://schemas.microsoft.com/office/drawing/2010/main" val="0"/>
-              </a:ext>
-            </a:extLst>
-          </a:blip>
-          <a:srcRect t="3823" b="3823"/>
-          <a:stretch>
-            <a:fillRect/>
-          </a:stretch>
-        </p:blipFill>
-        <p:spPr/>
-      </p:pic>
-      <p:sp>
-        <p:nvSpPr>
-          <p:cNvPr id="16" name="Rectangle 15"/>
-          <p:cNvSpPr/>
-          <p:nvPr/>
-        </p:nvSpPr>
-        <p:spPr>
-          <a:xfrm>
-            <a:off x="0" y="1331731"/>
-            <a:ext cx="9144000" cy="3811770"/>
-          </a:xfrm>
-          <a:prstGeom prst="rect">
-            <a:avLst/>
-          </a:prstGeom>
-          <a:gradFill flip="none" rotWithShape="1">
-            <a:gsLst>
-              <a:gs pos="0">
-                <a:srgbClr val="000000">
-                  <a:alpha val="68000"/>
-                </a:srgbClr>
-              </a:gs>
-              <a:gs pos="100000">
-                <a:srgbClr val="FFFFFF">
-                  <a:alpha val="0"/>
-                </a:srgbClr>
-              </a:gs>
-            </a:gsLst>
-            <a:lin ang="16200000" scaled="0"/>
-            <a:tileRect/>
-          </a:gradFill>
-          <a:ln w="12700">
-            <a:noFill/>
-          </a:ln>
-          <a:effectLst/>
-        </p:spPr>
-        <p:style>
-          <a:lnRef idx="2">
-            <a:schemeClr val="accent1">
-              <a:shade val="50000"/>
-            </a:schemeClr>
-          </a:lnRef>
-          <a:fillRef idx="1">
-            <a:schemeClr val="accent1"/>
-          </a:fillRef>
-          <a:effectRef idx="0">
-            <a:schemeClr val="accent1"/>
-          </a:effectRef>
-          <a:fontRef idx="minor">
-            <a:schemeClr val="lt1"/>
-          </a:fontRef>
-        </p:style>
-        <p:txBody>
-          <a:bodyPr lIns="36000" tIns="36000" rIns="36000" bIns="36000" rtlCol="0" anchor="ctr"/>
-          <a:lstStyle/>
-          <a:p>
-            <a:pPr algn="ctr" fontAlgn="auto">
-              <a:lnSpc>
-                <a:spcPct val="110000"/>
-              </a:lnSpc>
-              <a:spcBef>
-                <a:spcPts val="200"/>
-              </a:spcBef>
-              <a:spcAft>
-                <a:spcPts val="200"/>
-              </a:spcAft>
-            </a:pPr>
-            <a:endParaRPr lang="en-US" sz="1600"/>
-          </a:p>
-        </p:txBody>
-      </p:sp>
-      <p:sp>
-        <p:nvSpPr>
-          <p:cNvPr id="3" name="Text Placeholder 2"/>
-          <p:cNvSpPr>
-            <a:spLocks noGrp="1"/>
-          </p:cNvSpPr>
-          <p:nvPr>
-            <p:ph type="body" sz="quarter" idx="10"/>
-          </p:nvPr>
-        </p:nvSpPr>
-        <p:spPr>
-          <a:prstGeom prst="rect">
-            <a:avLst/>
-          </a:prstGeom>
-        </p:spPr>
-        <p:txBody>
-          <a:bodyPr/>
-          <a:lstStyle/>
-          <a:p>
-            <a:r>
-              <a:rPr lang="en-US" dirty="0">
-                <a:solidFill>
-                  <a:srgbClr val="FFFFFF"/>
-                </a:solidFill>
-              </a:rPr>
-              <a:t>Next</a:t>
-            </a:r>
-          </a:p>
-          <a:p>
-            <a:endParaRPr lang="en-US" dirty="0">
-              <a:solidFill>
-                <a:srgbClr val="FFFFFF"/>
-              </a:solidFill>
-            </a:endParaRPr>
-          </a:p>
-        </p:txBody>
-      </p:sp>
-      <p:sp>
-        <p:nvSpPr>
-          <p:cNvPr id="6" name="Text Placeholder 5"/>
-          <p:cNvSpPr>
-            <a:spLocks noGrp="1"/>
-          </p:cNvSpPr>
-          <p:nvPr>
-            <p:ph type="body" sz="quarter" idx="11"/>
-          </p:nvPr>
-        </p:nvSpPr>
-        <p:spPr>
-          <a:prstGeom prst="rect">
-            <a:avLst/>
-          </a:prstGeom>
-        </p:spPr>
-        <p:txBody>
-          <a:bodyPr/>
-          <a:lstStyle/>
-          <a:p>
-            <a:r>
-              <a:rPr lang="en-US" dirty="0">
-                <a:solidFill>
-                  <a:srgbClr val="FFFFFF"/>
-                </a:solidFill>
-              </a:rPr>
-              <a:t>Networking</a:t>
-            </a:r>
-          </a:p>
-        </p:txBody>
-      </p:sp>
-      <p:cxnSp>
-        <p:nvCxnSpPr>
-          <p:cNvPr id="8" name="Straight Connector 7"/>
-          <p:cNvCxnSpPr/>
-          <p:nvPr/>
-        </p:nvCxnSpPr>
-        <p:spPr>
-          <a:xfrm>
-            <a:off x="1058219" y="3191812"/>
-            <a:ext cx="1925564" cy="0"/>
-          </a:xfrm>
-          <a:prstGeom prst="line">
-            <a:avLst/>
-          </a:prstGeom>
-          <a:ln w="57150" cmpd="sng"/>
-        </p:spPr>
-        <p:style>
-          <a:lnRef idx="2">
-            <a:schemeClr val="accent1"/>
-          </a:lnRef>
-          <a:fillRef idx="0">
-            <a:schemeClr val="accent1"/>
-          </a:fillRef>
-          <a:effectRef idx="1">
-            <a:schemeClr val="accent1"/>
-          </a:effectRef>
-          <a:fontRef idx="minor">
-            <a:schemeClr val="tx1"/>
-          </a:fontRef>
-        </p:style>
-      </p:cxnSp>
-    </p:spTree>
-    <p:extLst>
-      <p:ext uri="{BB962C8B-B14F-4D97-AF65-F5344CB8AC3E}">
-        <p14:creationId xmlns:p14="http://schemas.microsoft.com/office/powerpoint/2010/main" val="1385865302"/>
       </p:ext>
     </p:extLst>
   </p:cSld>
@@ -18983,6 +19250,229 @@
       </p:grpSpPr>
       <p:pic>
         <p:nvPicPr>
+          <p:cNvPr id="18" name="Picture Placeholder 17" descr="photo-1462331321792-cc44368b8894.jpg"/>
+          <p:cNvPicPr>
+            <a:picLocks noGrp="1" noChangeAspect="1"/>
+          </p:cNvPicPr>
+          <p:nvPr>
+            <p:ph type="pic" sz="quarter" idx="14"/>
+          </p:nvPr>
+        </p:nvPicPr>
+        <p:blipFill>
+          <a:blip r:embed="rId3" cstate="email">
+            <a:extLst>
+              <a:ext uri="{28A0092B-C50C-407E-A947-70E740481C1C}">
+                <a14:useLocalDpi xmlns:a14="http://schemas.microsoft.com/office/drawing/2010/main" val="0"/>
+              </a:ext>
+            </a:extLst>
+          </a:blip>
+          <a:srcRect t="3823" b="3823"/>
+          <a:stretch>
+            <a:fillRect/>
+          </a:stretch>
+        </p:blipFill>
+        <p:spPr/>
+      </p:pic>
+      <p:sp>
+        <p:nvSpPr>
+          <p:cNvPr id="16" name="Rectangle 15"/>
+          <p:cNvSpPr/>
+          <p:nvPr/>
+        </p:nvSpPr>
+        <p:spPr>
+          <a:xfrm>
+            <a:off x="0" y="1331731"/>
+            <a:ext cx="9144000" cy="3811770"/>
+          </a:xfrm>
+          <a:prstGeom prst="rect">
+            <a:avLst/>
+          </a:prstGeom>
+          <a:gradFill flip="none" rotWithShape="1">
+            <a:gsLst>
+              <a:gs pos="0">
+                <a:srgbClr val="000000">
+                  <a:alpha val="68000"/>
+                </a:srgbClr>
+              </a:gs>
+              <a:gs pos="100000">
+                <a:srgbClr val="FFFFFF">
+                  <a:alpha val="0"/>
+                </a:srgbClr>
+              </a:gs>
+            </a:gsLst>
+            <a:lin ang="16200000" scaled="0"/>
+            <a:tileRect/>
+          </a:gradFill>
+          <a:ln w="12700">
+            <a:noFill/>
+          </a:ln>
+          <a:effectLst/>
+        </p:spPr>
+        <p:style>
+          <a:lnRef idx="2">
+            <a:schemeClr val="accent1">
+              <a:shade val="50000"/>
+            </a:schemeClr>
+          </a:lnRef>
+          <a:fillRef idx="1">
+            <a:schemeClr val="accent1"/>
+          </a:fillRef>
+          <a:effectRef idx="0">
+            <a:schemeClr val="accent1"/>
+          </a:effectRef>
+          <a:fontRef idx="minor">
+            <a:schemeClr val="lt1"/>
+          </a:fontRef>
+        </p:style>
+        <p:txBody>
+          <a:bodyPr lIns="36000" tIns="36000" rIns="36000" bIns="36000" rtlCol="0" anchor="ctr"/>
+          <a:lstStyle/>
+          <a:p>
+            <a:pPr algn="ctr" fontAlgn="auto">
+              <a:lnSpc>
+                <a:spcPct val="110000"/>
+              </a:lnSpc>
+              <a:spcBef>
+                <a:spcPts val="200"/>
+              </a:spcBef>
+              <a:spcAft>
+                <a:spcPts val="200"/>
+              </a:spcAft>
+            </a:pPr>
+            <a:endParaRPr lang="en-US" sz="1600"/>
+          </a:p>
+        </p:txBody>
+      </p:sp>
+      <p:sp>
+        <p:nvSpPr>
+          <p:cNvPr id="3" name="Text Placeholder 2"/>
+          <p:cNvSpPr>
+            <a:spLocks noGrp="1"/>
+          </p:cNvSpPr>
+          <p:nvPr>
+            <p:ph type="body" sz="quarter" idx="10"/>
+          </p:nvPr>
+        </p:nvSpPr>
+        <p:spPr>
+          <a:prstGeom prst="rect">
+            <a:avLst/>
+          </a:prstGeom>
+        </p:spPr>
+        <p:txBody>
+          <a:bodyPr/>
+          <a:lstStyle/>
+          <a:p>
+            <a:r>
+              <a:rPr lang="en-US" dirty="0">
+                <a:solidFill>
+                  <a:srgbClr val="FFFFFF"/>
+                </a:solidFill>
+              </a:rPr>
+              <a:t>Next</a:t>
+            </a:r>
+          </a:p>
+          <a:p>
+            <a:endParaRPr lang="en-US" dirty="0">
+              <a:solidFill>
+                <a:srgbClr val="FFFFFF"/>
+              </a:solidFill>
+            </a:endParaRPr>
+          </a:p>
+        </p:txBody>
+      </p:sp>
+      <p:sp>
+        <p:nvSpPr>
+          <p:cNvPr id="6" name="Text Placeholder 5"/>
+          <p:cNvSpPr>
+            <a:spLocks noGrp="1"/>
+          </p:cNvSpPr>
+          <p:nvPr>
+            <p:ph type="body" sz="quarter" idx="11"/>
+          </p:nvPr>
+        </p:nvSpPr>
+        <p:spPr>
+          <a:prstGeom prst="rect">
+            <a:avLst/>
+          </a:prstGeom>
+        </p:spPr>
+        <p:txBody>
+          <a:bodyPr/>
+          <a:lstStyle/>
+          <a:p>
+            <a:r>
+              <a:rPr lang="en-US" dirty="0">
+                <a:solidFill>
+                  <a:srgbClr val="FFFFFF"/>
+                </a:solidFill>
+              </a:rPr>
+              <a:t>Networking</a:t>
+            </a:r>
+          </a:p>
+        </p:txBody>
+      </p:sp>
+      <p:cxnSp>
+        <p:nvCxnSpPr>
+          <p:cNvPr id="8" name="Straight Connector 7"/>
+          <p:cNvCxnSpPr/>
+          <p:nvPr/>
+        </p:nvCxnSpPr>
+        <p:spPr>
+          <a:xfrm>
+            <a:off x="1058219" y="3191812"/>
+            <a:ext cx="1925564" cy="0"/>
+          </a:xfrm>
+          <a:prstGeom prst="line">
+            <a:avLst/>
+          </a:prstGeom>
+          <a:ln w="57150" cmpd="sng"/>
+        </p:spPr>
+        <p:style>
+          <a:lnRef idx="2">
+            <a:schemeClr val="accent1"/>
+          </a:lnRef>
+          <a:fillRef idx="0">
+            <a:schemeClr val="accent1"/>
+          </a:fillRef>
+          <a:effectRef idx="1">
+            <a:schemeClr val="accent1"/>
+          </a:effectRef>
+          <a:fontRef idx="minor">
+            <a:schemeClr val="tx1"/>
+          </a:fontRef>
+        </p:style>
+      </p:cxnSp>
+    </p:spTree>
+    <p:extLst>
+      <p:ext uri="{BB962C8B-B14F-4D97-AF65-F5344CB8AC3E}">
+        <p14:creationId xmlns:p14="http://schemas.microsoft.com/office/powerpoint/2010/main" val="1385865302"/>
+      </p:ext>
+    </p:extLst>
+  </p:cSld>
+  <p:clrMapOvr>
+    <a:masterClrMapping/>
+  </p:clrMapOvr>
+</p:sld>
+</file>
+
+<file path=ppt/slides/slide21.xml><?xml version="1.0" encoding="utf-8"?>
+<p:sld xmlns:a="http://schemas.openxmlformats.org/drawingml/2006/main" xmlns:r="http://schemas.openxmlformats.org/officeDocument/2006/relationships" xmlns:p="http://schemas.openxmlformats.org/presentationml/2006/main">
+  <p:cSld>
+    <p:spTree>
+      <p:nvGrpSpPr>
+        <p:cNvPr id="1" name=""/>
+        <p:cNvGrpSpPr/>
+        <p:nvPr/>
+      </p:nvGrpSpPr>
+      <p:grpSpPr>
+        <a:xfrm>
+          <a:off x="0" y="0"/>
+          <a:ext cx="0" cy="0"/>
+          <a:chOff x="0" y="0"/>
+          <a:chExt cx="0" cy="0"/>
+        </a:xfrm>
+      </p:grpSpPr>
+      <p:pic>
+        <p:nvPicPr>
           <p:cNvPr id="9" name="Picture Placeholder 8" descr="18download.jpg"/>
           <p:cNvPicPr>
             <a:picLocks noGrp="1" noChangeAspect="1"/>
@@ -19444,7 +19934,7 @@
 </p:sld>
 </file>
 
-<file path=ppt/slides/slide21.xml><?xml version="1.0" encoding="utf-8"?>
+<file path=ppt/slides/slide22.xml><?xml version="1.0" encoding="utf-8"?>
 <p:sld xmlns:a="http://schemas.openxmlformats.org/drawingml/2006/main" xmlns:r="http://schemas.openxmlformats.org/officeDocument/2006/relationships" xmlns:p="http://schemas.openxmlformats.org/presentationml/2006/main">
   <p:cSld>
     <p:spTree>
@@ -19667,7 +20157,7 @@
 </p:sld>
 </file>
 
-<file path=ppt/slides/slide22.xml><?xml version="1.0" encoding="utf-8"?>
+<file path=ppt/slides/slide23.xml><?xml version="1.0" encoding="utf-8"?>
 <p:sld xmlns:a="http://schemas.openxmlformats.org/drawingml/2006/main" xmlns:r="http://schemas.openxmlformats.org/officeDocument/2006/relationships" xmlns:p="http://schemas.openxmlformats.org/presentationml/2006/main">
   <p:cSld>
     <p:spTree>
@@ -19957,7 +20447,7 @@
 </p:sld>
 </file>
 
-<file path=ppt/slides/slide23.xml><?xml version="1.0" encoding="utf-8"?>
+<file path=ppt/slides/slide24.xml><?xml version="1.0" encoding="utf-8"?>
 <p:sld xmlns:a="http://schemas.openxmlformats.org/drawingml/2006/main" xmlns:r="http://schemas.openxmlformats.org/officeDocument/2006/relationships" xmlns:p="http://schemas.openxmlformats.org/presentationml/2006/main">
   <p:cSld>
     <p:spTree>
@@ -20319,197 +20809,6 @@
 </p:sld>
 </file>
 
-<file path=ppt/slides/slide24.xml><?xml version="1.0" encoding="utf-8"?>
-<p:sld xmlns:a="http://schemas.openxmlformats.org/drawingml/2006/main" xmlns:r="http://schemas.openxmlformats.org/officeDocument/2006/relationships" xmlns:p="http://schemas.openxmlformats.org/presentationml/2006/main">
-  <p:cSld>
-    <p:spTree>
-      <p:nvGrpSpPr>
-        <p:cNvPr id="1" name=""/>
-        <p:cNvGrpSpPr/>
-        <p:nvPr/>
-      </p:nvGrpSpPr>
-      <p:grpSpPr>
-        <a:xfrm>
-          <a:off x="0" y="0"/>
-          <a:ext cx="0" cy="0"/>
-          <a:chOff x="0" y="0"/>
-          <a:chExt cx="0" cy="0"/>
-        </a:xfrm>
-      </p:grpSpPr>
-      <p:pic>
-        <p:nvPicPr>
-          <p:cNvPr id="9" name="Picture Placeholder 8" descr="18download.jpg"/>
-          <p:cNvPicPr>
-            <a:picLocks noGrp="1" noChangeAspect="1"/>
-          </p:cNvPicPr>
-          <p:nvPr>
-            <p:ph type="pic" sz="quarter" idx="14"/>
-          </p:nvPr>
-        </p:nvPicPr>
-        <p:blipFill rotWithShape="1">
-          <a:blip r:embed="rId3" cstate="email">
-            <a:extLst>
-              <a:ext uri="{28A0092B-C50C-407E-A947-70E740481C1C}">
-                <a14:useLocalDpi xmlns:a14="http://schemas.microsoft.com/office/drawing/2010/main" val="0"/>
-              </a:ext>
-            </a:extLst>
-          </a:blip>
-          <a:srcRect t="7839" b="7839"/>
-          <a:stretch/>
-        </p:blipFill>
-        <p:spPr/>
-      </p:pic>
-      <p:sp>
-        <p:nvSpPr>
-          <p:cNvPr id="2" name="Text Placeholder 1"/>
-          <p:cNvSpPr>
-            <a:spLocks noGrp="1"/>
-          </p:cNvSpPr>
-          <p:nvPr>
-            <p:ph type="body" sz="quarter" idx="10"/>
-          </p:nvPr>
-        </p:nvSpPr>
-        <p:spPr/>
-        <p:txBody>
-          <a:bodyPr/>
-          <a:lstStyle/>
-          <a:p>
-            <a:r>
-              <a:rPr lang="en-US" dirty="0"/>
-              <a:t>09</a:t>
-            </a:r>
-          </a:p>
-        </p:txBody>
-      </p:sp>
-      <p:sp>
-        <p:nvSpPr>
-          <p:cNvPr id="3" name="Text Placeholder 2"/>
-          <p:cNvSpPr>
-            <a:spLocks noGrp="1"/>
-          </p:cNvSpPr>
-          <p:nvPr>
-            <p:ph type="body" sz="quarter" idx="11"/>
-          </p:nvPr>
-        </p:nvSpPr>
-        <p:spPr/>
-        <p:txBody>
-          <a:bodyPr/>
-          <a:lstStyle/>
-          <a:p>
-            <a:r>
-              <a:rPr lang="en-US" b="1" dirty="0" err="1"/>
-              <a:t>CoE</a:t>
-            </a:r>
-            <a:endParaRPr lang="en-US" b="1" dirty="0"/>
-          </a:p>
-        </p:txBody>
-      </p:sp>
-      <p:sp>
-        <p:nvSpPr>
-          <p:cNvPr id="5" name="Text Placeholder 4"/>
-          <p:cNvSpPr>
-            <a:spLocks noGrp="1"/>
-          </p:cNvSpPr>
-          <p:nvPr>
-            <p:ph type="body" sz="quarter" idx="13"/>
-          </p:nvPr>
-        </p:nvSpPr>
-        <p:spPr/>
-        <p:txBody>
-          <a:bodyPr/>
-          <a:lstStyle/>
-          <a:p>
-            <a:r>
-              <a:rPr lang="en-US" dirty="0">
-                <a:solidFill>
-                  <a:srgbClr val="455565"/>
-                </a:solidFill>
-              </a:rPr>
-              <a:t>Azure </a:t>
-            </a:r>
-            <a:r>
-              <a:rPr lang="en-US" dirty="0" err="1">
-                <a:solidFill>
-                  <a:srgbClr val="455565"/>
-                </a:solidFill>
-              </a:rPr>
-              <a:t>CoE</a:t>
-            </a:r>
-            <a:endParaRPr lang="en-US" dirty="0">
-              <a:solidFill>
-                <a:srgbClr val="455565"/>
-              </a:solidFill>
-            </a:endParaRPr>
-          </a:p>
-        </p:txBody>
-      </p:sp>
-      <p:cxnSp>
-        <p:nvCxnSpPr>
-          <p:cNvPr id="8" name="Straight Connector 7"/>
-          <p:cNvCxnSpPr/>
-          <p:nvPr/>
-        </p:nvCxnSpPr>
-        <p:spPr>
-          <a:xfrm>
-            <a:off x="220911" y="1214437"/>
-            <a:ext cx="1524010" cy="0"/>
-          </a:xfrm>
-          <a:prstGeom prst="line">
-            <a:avLst/>
-          </a:prstGeom>
-          <a:ln w="38100" cmpd="sng">
-            <a:solidFill>
-              <a:srgbClr val="69BE28"/>
-            </a:solidFill>
-          </a:ln>
-          <a:effectLst/>
-        </p:spPr>
-        <p:style>
-          <a:lnRef idx="2">
-            <a:schemeClr val="accent1"/>
-          </a:lnRef>
-          <a:fillRef idx="0">
-            <a:schemeClr val="accent1"/>
-          </a:fillRef>
-          <a:effectRef idx="1">
-            <a:schemeClr val="accent1"/>
-          </a:effectRef>
-          <a:fontRef idx="minor">
-            <a:schemeClr val="tx1"/>
-          </a:fontRef>
-        </p:style>
-      </p:cxnSp>
-      <p:sp>
-        <p:nvSpPr>
-          <p:cNvPr id="6" name="Picture Placeholder 5">
-            <a:extLst>
-              <a:ext uri="{FF2B5EF4-FFF2-40B4-BE49-F238E27FC236}">
-                <a16:creationId xmlns:a16="http://schemas.microsoft.com/office/drawing/2014/main" id="{F7D93CCE-FC39-4423-8627-46FB15541CA7}"/>
-              </a:ext>
-            </a:extLst>
-          </p:cNvPr>
-          <p:cNvSpPr>
-            <a:spLocks noGrp="1"/>
-          </p:cNvSpPr>
-          <p:nvPr>
-            <p:ph type="pic" sz="quarter" idx="15"/>
-          </p:nvPr>
-        </p:nvSpPr>
-        <p:spPr/>
-      </p:sp>
-    </p:spTree>
-    <p:extLst>
-      <p:ext uri="{BB962C8B-B14F-4D97-AF65-F5344CB8AC3E}">
-        <p14:creationId xmlns:p14="http://schemas.microsoft.com/office/powerpoint/2010/main" val="4126721657"/>
-      </p:ext>
-    </p:extLst>
-  </p:cSld>
-  <p:clrMapOvr>
-    <a:masterClrMapping/>
-  </p:clrMapOvr>
-</p:sld>
-</file>
-
 <file path=ppt/slides/slide25.xml><?xml version="1.0" encoding="utf-8"?>
 <p:sld xmlns:a="http://schemas.openxmlformats.org/drawingml/2006/main" xmlns:r="http://schemas.openxmlformats.org/officeDocument/2006/relationships" xmlns:p="http://schemas.openxmlformats.org/presentationml/2006/main">
   <p:cSld>
@@ -20567,7 +20866,7 @@
           <a:p>
             <a:r>
               <a:rPr lang="en-US" dirty="0"/>
-              <a:t>10</a:t>
+              <a:t>09</a:t>
             </a:r>
           </a:p>
         </p:txBody>
@@ -20588,9 +20887,10 @@
           <a:lstStyle/>
           <a:p>
             <a:r>
-              <a:rPr lang="en-US" b="1" dirty="0"/>
-              <a:t>QUESTIONS</a:t>
-            </a:r>
+              <a:rPr lang="en-US" b="1" dirty="0" err="1"/>
+              <a:t>CoE</a:t>
+            </a:r>
+            <a:endParaRPr lang="en-US" b="1" dirty="0"/>
           </a:p>
         </p:txBody>
       </p:sp>
@@ -20615,8 +20915,21 @@
                   <a:srgbClr val="455565"/>
                 </a:solidFill>
               </a:rPr>
-              <a:t>Questions</a:t>
-            </a:r>
+              <a:t>Azure </a:t>
+            </a:r>
+            <a:r>
+              <a:rPr lang="en-US" dirty="0" err="1">
+                <a:solidFill>
+                  <a:srgbClr val="455565"/>
+                </a:solidFill>
+              </a:rPr>
+              <a:t>CoE</a:t>
+            </a:r>
+            <a:endParaRPr lang="en-US" dirty="0">
+              <a:solidFill>
+                <a:srgbClr val="455565"/>
+              </a:solidFill>
+            </a:endParaRPr>
           </a:p>
         </p:txBody>
       </p:sp>
@@ -20658,6 +20971,183 @@
       </p:cxnSp>
       <p:sp>
         <p:nvSpPr>
+          <p:cNvPr id="6" name="Picture Placeholder 5">
+            <a:extLst>
+              <a:ext uri="{FF2B5EF4-FFF2-40B4-BE49-F238E27FC236}">
+                <a16:creationId xmlns:a16="http://schemas.microsoft.com/office/drawing/2014/main" id="{F7D93CCE-FC39-4423-8627-46FB15541CA7}"/>
+              </a:ext>
+            </a:extLst>
+          </p:cNvPr>
+          <p:cNvSpPr>
+            <a:spLocks noGrp="1"/>
+          </p:cNvSpPr>
+          <p:nvPr>
+            <p:ph type="pic" sz="quarter" idx="15"/>
+          </p:nvPr>
+        </p:nvSpPr>
+        <p:spPr/>
+      </p:sp>
+    </p:spTree>
+    <p:extLst>
+      <p:ext uri="{BB962C8B-B14F-4D97-AF65-F5344CB8AC3E}">
+        <p14:creationId xmlns:p14="http://schemas.microsoft.com/office/powerpoint/2010/main" val="4126721657"/>
+      </p:ext>
+    </p:extLst>
+  </p:cSld>
+  <p:clrMapOvr>
+    <a:masterClrMapping/>
+  </p:clrMapOvr>
+</p:sld>
+</file>
+
+<file path=ppt/slides/slide26.xml><?xml version="1.0" encoding="utf-8"?>
+<p:sld xmlns:a="http://schemas.openxmlformats.org/drawingml/2006/main" xmlns:r="http://schemas.openxmlformats.org/officeDocument/2006/relationships" xmlns:p="http://schemas.openxmlformats.org/presentationml/2006/main">
+  <p:cSld>
+    <p:spTree>
+      <p:nvGrpSpPr>
+        <p:cNvPr id="1" name=""/>
+        <p:cNvGrpSpPr/>
+        <p:nvPr/>
+      </p:nvGrpSpPr>
+      <p:grpSpPr>
+        <a:xfrm>
+          <a:off x="0" y="0"/>
+          <a:ext cx="0" cy="0"/>
+          <a:chOff x="0" y="0"/>
+          <a:chExt cx="0" cy="0"/>
+        </a:xfrm>
+      </p:grpSpPr>
+      <p:pic>
+        <p:nvPicPr>
+          <p:cNvPr id="9" name="Picture Placeholder 8" descr="18download.jpg"/>
+          <p:cNvPicPr>
+            <a:picLocks noGrp="1" noChangeAspect="1"/>
+          </p:cNvPicPr>
+          <p:nvPr>
+            <p:ph type="pic" sz="quarter" idx="14"/>
+          </p:nvPr>
+        </p:nvPicPr>
+        <p:blipFill rotWithShape="1">
+          <a:blip r:embed="rId3" cstate="email">
+            <a:extLst>
+              <a:ext uri="{28A0092B-C50C-407E-A947-70E740481C1C}">
+                <a14:useLocalDpi xmlns:a14="http://schemas.microsoft.com/office/drawing/2010/main" val="0"/>
+              </a:ext>
+            </a:extLst>
+          </a:blip>
+          <a:srcRect t="7839" b="7839"/>
+          <a:stretch/>
+        </p:blipFill>
+        <p:spPr/>
+      </p:pic>
+      <p:sp>
+        <p:nvSpPr>
+          <p:cNvPr id="2" name="Text Placeholder 1"/>
+          <p:cNvSpPr>
+            <a:spLocks noGrp="1"/>
+          </p:cNvSpPr>
+          <p:nvPr>
+            <p:ph type="body" sz="quarter" idx="10"/>
+          </p:nvPr>
+        </p:nvSpPr>
+        <p:spPr/>
+        <p:txBody>
+          <a:bodyPr/>
+          <a:lstStyle/>
+          <a:p>
+            <a:r>
+              <a:rPr lang="en-US" dirty="0"/>
+              <a:t>10</a:t>
+            </a:r>
+          </a:p>
+        </p:txBody>
+      </p:sp>
+      <p:sp>
+        <p:nvSpPr>
+          <p:cNvPr id="3" name="Text Placeholder 2"/>
+          <p:cNvSpPr>
+            <a:spLocks noGrp="1"/>
+          </p:cNvSpPr>
+          <p:nvPr>
+            <p:ph type="body" sz="quarter" idx="11"/>
+          </p:nvPr>
+        </p:nvSpPr>
+        <p:spPr/>
+        <p:txBody>
+          <a:bodyPr/>
+          <a:lstStyle/>
+          <a:p>
+            <a:r>
+              <a:rPr lang="en-US" b="1" dirty="0"/>
+              <a:t>QUESTIONS</a:t>
+            </a:r>
+          </a:p>
+        </p:txBody>
+      </p:sp>
+      <p:sp>
+        <p:nvSpPr>
+          <p:cNvPr id="5" name="Text Placeholder 4"/>
+          <p:cNvSpPr>
+            <a:spLocks noGrp="1"/>
+          </p:cNvSpPr>
+          <p:nvPr>
+            <p:ph type="body" sz="quarter" idx="13"/>
+          </p:nvPr>
+        </p:nvSpPr>
+        <p:spPr/>
+        <p:txBody>
+          <a:bodyPr/>
+          <a:lstStyle/>
+          <a:p>
+            <a:r>
+              <a:rPr lang="en-US" dirty="0">
+                <a:solidFill>
+                  <a:srgbClr val="455565"/>
+                </a:solidFill>
+              </a:rPr>
+              <a:t>Questions</a:t>
+            </a:r>
+          </a:p>
+        </p:txBody>
+      </p:sp>
+      <p:cxnSp>
+        <p:nvCxnSpPr>
+          <p:cNvPr id="8" name="Straight Connector 7"/>
+          <p:cNvCxnSpPr/>
+          <p:nvPr/>
+        </p:nvCxnSpPr>
+        <p:spPr>
+          <a:xfrm>
+            <a:off x="220911" y="1214437"/>
+            <a:ext cx="1524010" cy="0"/>
+          </a:xfrm>
+          <a:prstGeom prst="line">
+            <a:avLst/>
+          </a:prstGeom>
+          <a:ln w="38100" cmpd="sng">
+            <a:solidFill>
+              <a:srgbClr val="69BE28"/>
+            </a:solidFill>
+          </a:ln>
+          <a:effectLst/>
+        </p:spPr>
+        <p:style>
+          <a:lnRef idx="2">
+            <a:schemeClr val="accent1"/>
+          </a:lnRef>
+          <a:fillRef idx="0">
+            <a:schemeClr val="accent1"/>
+          </a:fillRef>
+          <a:effectRef idx="1">
+            <a:schemeClr val="accent1"/>
+          </a:effectRef>
+          <a:fontRef idx="minor">
+            <a:schemeClr val="tx1"/>
+          </a:fontRef>
+        </p:style>
+      </p:cxnSp>
+      <p:sp>
+        <p:nvSpPr>
           <p:cNvPr id="4" name="TextBox 3">
             <a:extLst>
               <a:ext uri="{FF2B5EF4-FFF2-40B4-BE49-F238E27FC236}">
@@ -20714,6 +21204,228 @@
     <p:extLst>
       <p:ext uri="{BB962C8B-B14F-4D97-AF65-F5344CB8AC3E}">
         <p14:creationId xmlns:p14="http://schemas.microsoft.com/office/powerpoint/2010/main" val="1110139824"/>
+      </p:ext>
+    </p:extLst>
+  </p:cSld>
+  <p:clrMapOvr>
+    <a:masterClrMapping/>
+  </p:clrMapOvr>
+</p:sld>
+</file>
+
+<file path=ppt/slides/slide27.xml><?xml version="1.0" encoding="utf-8"?>
+<p:sld xmlns:a="http://schemas.openxmlformats.org/drawingml/2006/main" xmlns:r="http://schemas.openxmlformats.org/officeDocument/2006/relationships" xmlns:p="http://schemas.openxmlformats.org/presentationml/2006/main">
+  <p:cSld>
+    <p:spTree>
+      <p:nvGrpSpPr>
+        <p:cNvPr id="1" name=""/>
+        <p:cNvGrpSpPr/>
+        <p:nvPr/>
+      </p:nvGrpSpPr>
+      <p:grpSpPr>
+        <a:xfrm>
+          <a:off x="0" y="0"/>
+          <a:ext cx="0" cy="0"/>
+          <a:chOff x="0" y="0"/>
+          <a:chExt cx="0" cy="0"/>
+        </a:xfrm>
+      </p:grpSpPr>
+      <p:pic>
+        <p:nvPicPr>
+          <p:cNvPr id="9" name="Picture Placeholder 8" descr="18download.jpg"/>
+          <p:cNvPicPr>
+            <a:picLocks noGrp="1" noChangeAspect="1"/>
+          </p:cNvPicPr>
+          <p:nvPr>
+            <p:ph type="pic" sz="quarter" idx="14"/>
+          </p:nvPr>
+        </p:nvPicPr>
+        <p:blipFill rotWithShape="1">
+          <a:blip r:embed="rId3" cstate="email">
+            <a:extLst>
+              <a:ext uri="{28A0092B-C50C-407E-A947-70E740481C1C}">
+                <a14:useLocalDpi xmlns:a14="http://schemas.microsoft.com/office/drawing/2010/main" val="0"/>
+              </a:ext>
+            </a:extLst>
+          </a:blip>
+          <a:srcRect t="7839" b="7839"/>
+          <a:stretch/>
+        </p:blipFill>
+        <p:spPr/>
+      </p:pic>
+      <p:sp>
+        <p:nvSpPr>
+          <p:cNvPr id="2" name="Text Placeholder 1"/>
+          <p:cNvSpPr>
+            <a:spLocks noGrp="1"/>
+          </p:cNvSpPr>
+          <p:nvPr>
+            <p:ph type="body" sz="quarter" idx="10"/>
+          </p:nvPr>
+        </p:nvSpPr>
+        <p:spPr/>
+        <p:txBody>
+          <a:bodyPr/>
+          <a:lstStyle/>
+          <a:p>
+            <a:r>
+              <a:rPr lang="en-US" dirty="0"/>
+              <a:t>10</a:t>
+            </a:r>
+          </a:p>
+        </p:txBody>
+      </p:sp>
+      <p:sp>
+        <p:nvSpPr>
+          <p:cNvPr id="3" name="Text Placeholder 2"/>
+          <p:cNvSpPr>
+            <a:spLocks noGrp="1"/>
+          </p:cNvSpPr>
+          <p:nvPr>
+            <p:ph type="body" sz="quarter" idx="11"/>
+          </p:nvPr>
+        </p:nvSpPr>
+        <p:spPr/>
+        <p:txBody>
+          <a:bodyPr/>
+          <a:lstStyle/>
+          <a:p>
+            <a:r>
+              <a:rPr lang="en-US" b="1" dirty="0"/>
+              <a:t>Links</a:t>
+            </a:r>
+          </a:p>
+        </p:txBody>
+      </p:sp>
+      <p:sp>
+        <p:nvSpPr>
+          <p:cNvPr id="5" name="Text Placeholder 4"/>
+          <p:cNvSpPr>
+            <a:spLocks noGrp="1"/>
+          </p:cNvSpPr>
+          <p:nvPr>
+            <p:ph type="body" sz="quarter" idx="13"/>
+          </p:nvPr>
+        </p:nvSpPr>
+        <p:spPr/>
+        <p:txBody>
+          <a:bodyPr/>
+          <a:lstStyle/>
+          <a:p>
+            <a:r>
+              <a:rPr lang="en-US" dirty="0">
+                <a:solidFill>
+                  <a:srgbClr val="455565"/>
+                </a:solidFill>
+              </a:rPr>
+              <a:t>Links</a:t>
+            </a:r>
+          </a:p>
+        </p:txBody>
+      </p:sp>
+      <p:cxnSp>
+        <p:nvCxnSpPr>
+          <p:cNvPr id="8" name="Straight Connector 7"/>
+          <p:cNvCxnSpPr/>
+          <p:nvPr/>
+        </p:nvCxnSpPr>
+        <p:spPr>
+          <a:xfrm>
+            <a:off x="220911" y="1214437"/>
+            <a:ext cx="1524010" cy="0"/>
+          </a:xfrm>
+          <a:prstGeom prst="line">
+            <a:avLst/>
+          </a:prstGeom>
+          <a:ln w="38100" cmpd="sng">
+            <a:solidFill>
+              <a:srgbClr val="69BE28"/>
+            </a:solidFill>
+          </a:ln>
+          <a:effectLst/>
+        </p:spPr>
+        <p:style>
+          <a:lnRef idx="2">
+            <a:schemeClr val="accent1"/>
+          </a:lnRef>
+          <a:fillRef idx="0">
+            <a:schemeClr val="accent1"/>
+          </a:fillRef>
+          <a:effectRef idx="1">
+            <a:schemeClr val="accent1"/>
+          </a:effectRef>
+          <a:fontRef idx="minor">
+            <a:schemeClr val="tx1"/>
+          </a:fontRef>
+        </p:style>
+      </p:cxnSp>
+      <p:sp>
+        <p:nvSpPr>
+          <p:cNvPr id="4" name="TextBox 3">
+            <a:extLst>
+              <a:ext uri="{FF2B5EF4-FFF2-40B4-BE49-F238E27FC236}">
+                <a16:creationId xmlns:a16="http://schemas.microsoft.com/office/drawing/2014/main" id="{1E2B43BF-5CD7-4DFC-844A-8CDF01FBD1EA}"/>
+              </a:ext>
+            </a:extLst>
+          </p:cNvPr>
+          <p:cNvSpPr txBox="1"/>
+          <p:nvPr/>
+        </p:nvSpPr>
+        <p:spPr>
+          <a:xfrm>
+            <a:off x="1957894" y="1714500"/>
+            <a:ext cx="6262376" cy="646331"/>
+          </a:xfrm>
+          <a:prstGeom prst="rect">
+            <a:avLst/>
+          </a:prstGeom>
+          <a:noFill/>
+        </p:spPr>
+        <p:txBody>
+          <a:bodyPr wrap="square" rtlCol="0">
+            <a:spAutoFit/>
+          </a:bodyPr>
+          <a:lstStyle/>
+          <a:p>
+            <a:r>
+              <a:rPr lang="nl-BE" dirty="0">
+                <a:hlinkClick r:id="rId4"/>
+              </a:rPr>
+              <a:t>https://vstsdemogenerator.azurewebsites.net</a:t>
+            </a:r>
+            <a:endParaRPr lang="nl-BE" dirty="0"/>
+          </a:p>
+          <a:p>
+            <a:pPr marL="285750" indent="-285750">
+              <a:buFont typeface="Arial" panose="020B0604020202020204" pitchFamily="34" charset="0"/>
+              <a:buChar char="•"/>
+            </a:pPr>
+            <a:endParaRPr lang="nl-BE" dirty="0"/>
+          </a:p>
+        </p:txBody>
+      </p:sp>
+      <p:sp>
+        <p:nvSpPr>
+          <p:cNvPr id="7" name="Picture Placeholder 6">
+            <a:extLst>
+              <a:ext uri="{FF2B5EF4-FFF2-40B4-BE49-F238E27FC236}">
+                <a16:creationId xmlns:a16="http://schemas.microsoft.com/office/drawing/2014/main" id="{37782A5D-D427-433D-804C-BB9578D73DC4}"/>
+              </a:ext>
+            </a:extLst>
+          </p:cNvPr>
+          <p:cNvSpPr>
+            <a:spLocks noGrp="1"/>
+          </p:cNvSpPr>
+          <p:nvPr>
+            <p:ph type="pic" sz="quarter" idx="15"/>
+          </p:nvPr>
+        </p:nvSpPr>
+        <p:spPr/>
+      </p:sp>
+    </p:spTree>
+    <p:extLst>
+      <p:ext uri="{BB962C8B-B14F-4D97-AF65-F5344CB8AC3E}">
+        <p14:creationId xmlns:p14="http://schemas.microsoft.com/office/powerpoint/2010/main" val="2915590853"/>
       </p:ext>
     </p:extLst>
   </p:cSld>
@@ -21049,24 +21761,42 @@
           </a:prstGeom>
         </p:spPr>
       </p:pic>
-      <p:sp>
-        <p:nvSpPr>
-          <p:cNvPr id="6" name="Picture Placeholder 5">
+      <p:pic>
+        <p:nvPicPr>
+          <p:cNvPr id="7" name="Picture Placeholder 6">
             <a:extLst>
               <a:ext uri="{FF2B5EF4-FFF2-40B4-BE49-F238E27FC236}">
-                <a16:creationId xmlns:a16="http://schemas.microsoft.com/office/drawing/2014/main" id="{A9BE9BAE-3C2E-4E55-B891-9C09C8ABEDB4}"/>
+                <a16:creationId xmlns:a16="http://schemas.microsoft.com/office/drawing/2014/main" id="{028A58DD-B252-49EC-A199-0AAC0A371BDD}"/>
               </a:ext>
             </a:extLst>
           </p:cNvPr>
-          <p:cNvSpPr>
-            <a:spLocks noGrp="1"/>
-          </p:cNvSpPr>
+          <p:cNvPicPr>
+            <a:picLocks noGrp="1" noChangeAspect="1"/>
+          </p:cNvPicPr>
           <p:nvPr>
             <p:ph type="pic" sz="quarter" idx="15"/>
           </p:nvPr>
-        </p:nvSpPr>
-        <p:spPr/>
-      </p:sp>
+        </p:nvPicPr>
+        <p:blipFill>
+          <a:blip r:embed="rId8" cstate="email">
+            <a:extLst>
+              <a:ext uri="{28A0092B-C50C-407E-A947-70E740481C1C}">
+                <a14:useLocalDpi xmlns:a14="http://schemas.microsoft.com/office/drawing/2010/main" val="0"/>
+              </a:ext>
+            </a:extLst>
+          </a:blip>
+          <a:srcRect l="3629" r="3629"/>
+          <a:stretch>
+            <a:fillRect/>
+          </a:stretch>
+        </p:blipFill>
+        <p:spPr>
+          <a:xfrm>
+            <a:off x="6206308" y="1801592"/>
+            <a:ext cx="547687" cy="590550"/>
+          </a:xfrm>
+        </p:spPr>
+      </p:pic>
     </p:spTree>
     <p:extLst>
       <p:ext uri="{BB962C8B-B14F-4D97-AF65-F5344CB8AC3E}">
@@ -23758,74 +24488,6 @@
 </file>
 
 <file path=customXml/item1.xml><?xml version="1.0" encoding="utf-8"?>
-<?mso-contentType ?>
-<FormTemplates xmlns="http://schemas.microsoft.com/sharepoint/v3/contenttype/forms">
-  <Display>DocumentLibraryForm</Display>
-  <Edit>DocumentLibraryForm</Edit>
-  <New>DocumentLibraryForm</New>
-</FormTemplates>
-</file>
-
-<file path=customXml/item2.xml><?xml version="1.0" encoding="utf-8"?>
-<p:properties xmlns:p="http://schemas.microsoft.com/office/2006/metadata/properties" xmlns:xsi="http://www.w3.org/2001/XMLSchema-instance" xmlns:pc="http://schemas.microsoft.com/office/infopath/2007/PartnerControls">
-  <documentManagement>
-    <SharedWithUsers xmlns="9c644b71-f2b7-4af3-8fc7-b12615162907">
-      <UserInfo>
-        <DisplayName>Petr Bulicka (Europe)</DisplayName>
-        <AccountId>6149</AccountId>
-        <AccountType/>
-      </UserInfo>
-      <UserInfo>
-        <DisplayName>Jana Svobodova (Europe)</DisplayName>
-        <AccountId>2663</AccountId>
-        <AccountType/>
-      </UserInfo>
-      <UserInfo>
-        <DisplayName>Ruth Rowan (Group)</DisplayName>
-        <AccountId>7627</AccountId>
-        <AccountType/>
-      </UserInfo>
-      <UserInfo>
-        <DisplayName>Jane Perry (AU)</DisplayName>
-        <AccountId>4599</AccountId>
-        <AccountType/>
-      </UserInfo>
-      <UserInfo>
-        <DisplayName>Sean Cronin (Americas)</DisplayName>
-        <AccountId>9344</AccountId>
-        <AccountType/>
-      </UserInfo>
-      <UserInfo>
-        <DisplayName>Renjith Philip (Group)</DisplayName>
-        <AccountId>4434</AccountId>
-        <AccountType/>
-      </UserInfo>
-      <UserInfo>
-        <DisplayName>Heather Pope (AU)</DisplayName>
-        <AccountId>9715</AccountId>
-        <AccountType/>
-      </UserInfo>
-      <UserInfo>
-        <DisplayName>Phumudzo Mufamadi (MEA)</DisplayName>
-        <AccountId>10288</AccountId>
-        <AccountType/>
-      </UserInfo>
-      <UserInfo>
-        <DisplayName>Buhle Chauke (MEA)</DisplayName>
-        <AccountId>4261</AccountId>
-        <AccountType/>
-      </UserInfo>
-      <UserInfo>
-        <DisplayName/>
-        <AccountId>346</AccountId>
-        <AccountType/>
-      </UserInfo>
-    </SharedWithUsers>
-  </documentManagement>
-</p:properties>
-</file>
-
-<file path=customXml/item3.xml><?xml version="1.0" encoding="utf-8"?>
 <ct:contentTypeSchema xmlns:ct="http://schemas.microsoft.com/office/2006/metadata/contentType" xmlns:ma="http://schemas.microsoft.com/office/2006/metadata/properties/metaAttributes" ct:_="" ma:_="" ma:contentTypeName="Document" ma:contentTypeID="0x010100959D33A83376F241B96FC317B2040BAF" ma:contentTypeVersion="5" ma:contentTypeDescription="Create a new document." ma:contentTypeScope="" ma:versionID="527b495c0104506c6ad0510e833307a8">
   <xsd:schema xmlns:xsd="http://www.w3.org/2001/XMLSchema" xmlns:xs="http://www.w3.org/2001/XMLSchema" xmlns:p="http://schemas.microsoft.com/office/2006/metadata/properties" xmlns:ns2="9c644b71-f2b7-4af3-8fc7-b12615162907" xmlns:ns3="54f3cedd-548f-4720-83cb-d6c05b93ad22" targetNamespace="http://schemas.microsoft.com/office/2006/metadata/properties" ma:root="true" ma:fieldsID="1d53989094b9f63e1bb90e8dea41e06b" ns2:_="" ns3:_="">
     <xsd:import namespace="9c644b71-f2b7-4af3-8fc7-b12615162907"/>
@@ -23996,10 +24658,89 @@
 </ct:contentTypeSchema>
 </file>
 
+<file path=customXml/item2.xml><?xml version="1.0" encoding="utf-8"?>
+<p:properties xmlns:p="http://schemas.microsoft.com/office/2006/metadata/properties" xmlns:xsi="http://www.w3.org/2001/XMLSchema-instance" xmlns:pc="http://schemas.microsoft.com/office/infopath/2007/PartnerControls">
+  <documentManagement>
+    <SharedWithUsers xmlns="9c644b71-f2b7-4af3-8fc7-b12615162907">
+      <UserInfo>
+        <DisplayName>Petr Bulicka (Europe)</DisplayName>
+        <AccountId>6149</AccountId>
+        <AccountType/>
+      </UserInfo>
+      <UserInfo>
+        <DisplayName>Jana Svobodova (Europe)</DisplayName>
+        <AccountId>2663</AccountId>
+        <AccountType/>
+      </UserInfo>
+      <UserInfo>
+        <DisplayName>Ruth Rowan (Group)</DisplayName>
+        <AccountId>7627</AccountId>
+        <AccountType/>
+      </UserInfo>
+      <UserInfo>
+        <DisplayName>Jane Perry (AU)</DisplayName>
+        <AccountId>4599</AccountId>
+        <AccountType/>
+      </UserInfo>
+      <UserInfo>
+        <DisplayName>Sean Cronin (Americas)</DisplayName>
+        <AccountId>9344</AccountId>
+        <AccountType/>
+      </UserInfo>
+      <UserInfo>
+        <DisplayName>Renjith Philip (Group)</DisplayName>
+        <AccountId>4434</AccountId>
+        <AccountType/>
+      </UserInfo>
+      <UserInfo>
+        <DisplayName>Heather Pope (AU)</DisplayName>
+        <AccountId>9715</AccountId>
+        <AccountType/>
+      </UserInfo>
+      <UserInfo>
+        <DisplayName>Phumudzo Mufamadi (MEA)</DisplayName>
+        <AccountId>10288</AccountId>
+        <AccountType/>
+      </UserInfo>
+      <UserInfo>
+        <DisplayName>Buhle Chauke (MEA)</DisplayName>
+        <AccountId>4261</AccountId>
+        <AccountType/>
+      </UserInfo>
+      <UserInfo>
+        <DisplayName/>
+        <AccountId>346</AccountId>
+        <AccountType/>
+      </UserInfo>
+    </SharedWithUsers>
+  </documentManagement>
+</p:properties>
+</file>
+
+<file path=customXml/item3.xml><?xml version="1.0" encoding="utf-8"?>
+<?mso-contentType ?>
+<FormTemplates xmlns="http://schemas.microsoft.com/sharepoint/v3/contenttype/forms">
+  <Display>DocumentLibraryForm</Display>
+  <Edit>DocumentLibraryForm</Edit>
+  <New>DocumentLibraryForm</New>
+</FormTemplates>
+</file>
+
 <file path=customXml/itemProps1.xml><?xml version="1.0" encoding="utf-8"?>
-<ds:datastoreItem xmlns:ds="http://schemas.openxmlformats.org/officeDocument/2006/customXml" ds:itemID="{087C7070-5768-412A-B9F8-33F98270A5AB}">
+<ds:datastoreItem xmlns:ds="http://schemas.openxmlformats.org/officeDocument/2006/customXml" ds:itemID="{AB8EC5BB-2B61-4C60-AD48-38528A6A0019}">
   <ds:schemaRefs>
-    <ds:schemaRef ds:uri="http://schemas.microsoft.com/sharepoint/v3/contenttype/forms"/>
+    <ds:schemaRef ds:uri="http://schemas.microsoft.com/office/2006/metadata/contentType"/>
+    <ds:schemaRef ds:uri="http://schemas.microsoft.com/office/2006/metadata/properties/metaAttributes"/>
+    <ds:schemaRef ds:uri="http://www.w3.org/2001/XMLSchema"/>
+    <ds:schemaRef ds:uri="http://schemas.microsoft.com/office/2006/metadata/properties"/>
+    <ds:schemaRef ds:uri="9c644b71-f2b7-4af3-8fc7-b12615162907"/>
+    <ds:schemaRef ds:uri="54f3cedd-548f-4720-83cb-d6c05b93ad22"/>
+    <ds:schemaRef ds:uri="http://schemas.microsoft.com/office/2006/documentManagement/types"/>
+    <ds:schemaRef ds:uri="http://schemas.microsoft.com/office/infopath/2007/PartnerControls"/>
+    <ds:schemaRef ds:uri="http://schemas.openxmlformats.org/package/2006/metadata/core-properties"/>
+    <ds:schemaRef ds:uri="http://purl.org/dc/elements/1.1/"/>
+    <ds:schemaRef ds:uri="http://purl.org/dc/terms/"/>
+    <ds:schemaRef ds:uri="http://schemas.microsoft.com/internal/obd"/>
   </ds:schemaRefs>
 </ds:datastoreItem>
 </file>
@@ -24022,20 +24763,9 @@
 </file>
 
 <file path=customXml/itemProps3.xml><?xml version="1.0" encoding="utf-8"?>
-<ds:datastoreItem xmlns:ds="http://schemas.openxmlformats.org/officeDocument/2006/customXml" ds:itemID="{AB8EC5BB-2B61-4C60-AD48-38528A6A0019}">
+<ds:datastoreItem xmlns:ds="http://schemas.openxmlformats.org/officeDocument/2006/customXml" ds:itemID="{087C7070-5768-412A-B9F8-33F98270A5AB}">
   <ds:schemaRefs>
-    <ds:schemaRef ds:uri="http://schemas.microsoft.com/office/2006/metadata/contentType"/>
-    <ds:schemaRef ds:uri="http://schemas.microsoft.com/office/2006/metadata/properties/metaAttributes"/>
-    <ds:schemaRef ds:uri="http://www.w3.org/2001/XMLSchema"/>
-    <ds:schemaRef ds:uri="http://schemas.microsoft.com/office/2006/metadata/properties"/>
-    <ds:schemaRef ds:uri="9c644b71-f2b7-4af3-8fc7-b12615162907"/>
-    <ds:schemaRef ds:uri="54f3cedd-548f-4720-83cb-d6c05b93ad22"/>
-    <ds:schemaRef ds:uri="http://schemas.microsoft.com/office/2006/documentManagement/types"/>
-    <ds:schemaRef ds:uri="http://schemas.microsoft.com/office/infopath/2007/PartnerControls"/>
-    <ds:schemaRef ds:uri="http://schemas.openxmlformats.org/package/2006/metadata/core-properties"/>
-    <ds:schemaRef ds:uri="http://purl.org/dc/elements/1.1/"/>
-    <ds:schemaRef ds:uri="http://purl.org/dc/terms/"/>
-    <ds:schemaRef ds:uri="http://schemas.microsoft.com/internal/obd"/>
+    <ds:schemaRef ds:uri="http://schemas.microsoft.com/sharepoint/v3/contenttype/forms"/>
   </ds:schemaRefs>
 </ds:datastoreItem>
 </file>